--- a/project.pptx
+++ b/project.pptx
@@ -21865,7 +21865,7 @@
         </p:nvSpPr>
         <p:spPr>
           <a:xfrm>
-            <a:off x="314738" y="1122363"/>
+            <a:off x="314738" y="413446"/>
             <a:ext cx="9291599" cy="2387600"/>
           </a:xfrm>
         </p:spPr>
@@ -21898,7 +21898,7 @@
         </p:nvSpPr>
         <p:spPr>
           <a:xfrm>
-            <a:off x="314738" y="3602038"/>
+            <a:off x="314738" y="2801046"/>
             <a:ext cx="9500507" cy="806675"/>
           </a:xfrm>
         </p:spPr>
@@ -21909,6 +21909,49 @@
             <a:r>
               <a:rPr lang="en-US" dirty="0"/>
               <a:t>EDA PROJECT</a:t>
+            </a:r>
+          </a:p>
+        </p:txBody>
+      </p:sp>
+      <p:sp>
+        <p:nvSpPr>
+          <p:cNvPr id="5" name="TextBox 4">
+            <a:extLst>
+              <a:ext uri="{FF2B5EF4-FFF2-40B4-BE49-F238E27FC236}">
+                <a16:creationId xmlns:a16="http://schemas.microsoft.com/office/drawing/2014/main" id="{67AB3215-8E48-5377-6653-6A181B8ADFF9}"/>
+              </a:ext>
+            </a:extLst>
+          </p:cNvPr>
+          <p:cNvSpPr txBox="1"/>
+          <p:nvPr/>
+        </p:nvSpPr>
+        <p:spPr>
+          <a:xfrm>
+            <a:off x="314737" y="3429000"/>
+            <a:ext cx="6907995" cy="523220"/>
+          </a:xfrm>
+          <a:prstGeom prst="rect">
+            <a:avLst/>
+          </a:prstGeom>
+          <a:noFill/>
+        </p:spPr>
+        <p:txBody>
+          <a:bodyPr wrap="square">
+            <a:spAutoFit/>
+          </a:bodyPr>
+          <a:lstStyle/>
+          <a:p>
+            <a:r>
+              <a:rPr lang="en-US" sz="2800" dirty="0"/>
+              <a:t>Guided by – Mr. Guruprasad </a:t>
+            </a:r>
+            <a:r>
+              <a:rPr lang="en-US" sz="2800" dirty="0" err="1"/>
+              <a:t>Konnurmath</a:t>
+            </a:r>
+            <a:r>
+              <a:rPr lang="en-US" sz="2800" dirty="0"/>
+              <a:t> </a:t>
             </a:r>
           </a:p>
         </p:txBody>
@@ -26631,7 +26674,7 @@
             </a:pPr>
             <a:r>
               <a:rPr lang="en-US" sz="2400" dirty="0"/>
-              <a:t>In stock market analysis, It’s not a good to drop value or replace with mean for ex. If values like 20 NULL 20, then if mean is 40 it will make data inconsistent.</a:t>
+              <a:t>In stock market analysis, It’s not a good way to drop value or replace with mean in stock market for ex. If values like 20 NULL 20, then if mean is 40 it will make data inconsistent.</a:t>
             </a:r>
           </a:p>
           <a:p>
@@ -27036,7 +27079,7 @@
             </a:pPr>
             <a:r>
               <a:rPr lang="en-US" sz="2400" dirty="0"/>
-              <a:t>Volume: We assuming no one brought the stock for that day. So we are replacing values with 0.</a:t>
+              <a:t>Volume: We assuming no one brought the stock for that minute. So we are replacing values with 0.</a:t>
             </a:r>
           </a:p>
           <a:p>
@@ -27476,7 +27519,7 @@
             </a:pPr>
             <a:r>
               <a:rPr lang="en-US" sz="2400" dirty="0"/>
-              <a:t>In our stock data we know stock market data are inconsistent and every data for  each moment data is useful. Even though there is noise or outliers in our data and if we modify it then it will affect in further prediction. </a:t>
+              <a:t>In our stock data we know stock market data are inconsistent and every data for each moment data is useful. Even though there is noise or outliers in our data and if we modify it then it will affect in further prediction. </a:t>
             </a:r>
           </a:p>
         </p:txBody>
@@ -27862,13 +27905,8 @@
             </a:pPr>
             <a:r>
               <a:rPr lang="en-US" sz="2400" dirty="0"/>
-              <a:t>We used data transformation in our data to convert the time stamp data from data time format to </a:t>
+              <a:t>We used data transformation in our data to convert the time stamp data from data time format to integer data.</a:t>
             </a:r>
-            <a:r>
-              <a:rPr lang="en-US" sz="2400"/>
-              <a:t>integer data.</a:t>
-            </a:r>
-            <a:endParaRPr lang="en-US" sz="2400" dirty="0"/>
           </a:p>
         </p:txBody>
       </p:sp>
@@ -28417,7 +28455,7 @@
         </p:spPr>
         <p:txBody>
           <a:bodyPr vert="horz" lIns="91440" tIns="45720" rIns="91440" bIns="45720" rtlCol="0" anchor="t">
-            <a:normAutofit lnSpcReduction="10000"/>
+            <a:normAutofit/>
           </a:bodyPr>
           <a:lstStyle/>
           <a:p>
@@ -28484,10 +28522,6 @@
               <a:rPr lang="en-US" dirty="0"/>
               <a:t> Palled</a:t>
             </a:r>
-            <a:br>
-              <a:rPr lang="en-US" dirty="0"/>
-            </a:br>
-            <a:endParaRPr lang="en-US" dirty="0"/>
           </a:p>
           <a:p>
             <a:endParaRPr lang="en-US" dirty="0"/>

--- a/project.pptx
+++ b/project.pptx
@@ -5,7 +5,7 @@
     <p:sldMasterId id="2147483648" r:id="rId4"/>
   </p:sldMasterIdLst>
   <p:notesMasterIdLst>
-    <p:notesMasterId r:id="rId41"/>
+    <p:notesMasterId r:id="rId43"/>
   </p:notesMasterIdLst>
   <p:sldIdLst>
     <p:sldId id="256" r:id="rId5"/>
@@ -34,16 +34,18 @@
     <p:sldId id="292" r:id="rId28"/>
     <p:sldId id="293" r:id="rId29"/>
     <p:sldId id="294" r:id="rId30"/>
-    <p:sldId id="295" r:id="rId31"/>
-    <p:sldId id="296" r:id="rId32"/>
-    <p:sldId id="297" r:id="rId33"/>
-    <p:sldId id="298" r:id="rId34"/>
-    <p:sldId id="299" r:id="rId35"/>
-    <p:sldId id="300" r:id="rId36"/>
-    <p:sldId id="301" r:id="rId37"/>
-    <p:sldId id="302" r:id="rId38"/>
-    <p:sldId id="303" r:id="rId39"/>
-    <p:sldId id="275" r:id="rId40"/>
+    <p:sldId id="304" r:id="rId31"/>
+    <p:sldId id="305" r:id="rId32"/>
+    <p:sldId id="295" r:id="rId33"/>
+    <p:sldId id="296" r:id="rId34"/>
+    <p:sldId id="297" r:id="rId35"/>
+    <p:sldId id="298" r:id="rId36"/>
+    <p:sldId id="299" r:id="rId37"/>
+    <p:sldId id="300" r:id="rId38"/>
+    <p:sldId id="301" r:id="rId39"/>
+    <p:sldId id="302" r:id="rId40"/>
+    <p:sldId id="303" r:id="rId41"/>
+    <p:sldId id="275" r:id="rId42"/>
   </p:sldIdLst>
   <p:sldSz cx="12192000" cy="6858000"/>
   <p:notesSz cx="6858000" cy="9144000"/>
@@ -8346,7 +8348,7 @@
           <a:p>
             <a:fld id="{7487ADD9-2083-264C-A652-8D52D02F7E72}" type="datetimeFigureOut">
               <a:rPr lang="en-US" smtClean="0"/>
-              <a:t>7/20/2023</a:t>
+              <a:t>7/25/2023</a:t>
             </a:fld>
             <a:endParaRPr lang="en-US" dirty="0"/>
           </a:p>
@@ -8771,7 +8773,7 @@
     </p:spTree>
     <p:extLst>
       <p:ext uri="{BB962C8B-B14F-4D97-AF65-F5344CB8AC3E}">
-        <p14:creationId xmlns:p14="http://schemas.microsoft.com/office/powerpoint/2010/main" val="2069892582"/>
+        <p14:creationId xmlns:p14="http://schemas.microsoft.com/office/powerpoint/2010/main" val="730559932"/>
       </p:ext>
     </p:extLst>
   </p:cSld>
@@ -8847,6 +8849,174 @@
             <a:fld id="{F97DC217-DF71-1A49-B3EA-559F1F43B0FF}" type="slidenum">
               <a:rPr lang="en-US" smtClean="0"/>
               <a:t>35</a:t>
+            </a:fld>
+            <a:endParaRPr lang="en-US" dirty="0"/>
+          </a:p>
+        </p:txBody>
+      </p:sp>
+    </p:spTree>
+    <p:extLst>
+      <p:ext uri="{BB962C8B-B14F-4D97-AF65-F5344CB8AC3E}">
+        <p14:creationId xmlns:p14="http://schemas.microsoft.com/office/powerpoint/2010/main" val="1538285063"/>
+      </p:ext>
+    </p:extLst>
+  </p:cSld>
+  <p:clrMapOvr>
+    <a:masterClrMapping/>
+  </p:clrMapOvr>
+</p:notes>
+</file>
+
+<file path=ppt/notesSlides/notesSlide12.xml><?xml version="1.0" encoding="utf-8"?>
+<p:notes xmlns:a="http://schemas.openxmlformats.org/drawingml/2006/main" xmlns:r="http://schemas.openxmlformats.org/officeDocument/2006/relationships" xmlns:p="http://schemas.openxmlformats.org/presentationml/2006/main">
+  <p:cSld>
+    <p:spTree>
+      <p:nvGrpSpPr>
+        <p:cNvPr id="1" name=""/>
+        <p:cNvGrpSpPr/>
+        <p:nvPr/>
+      </p:nvGrpSpPr>
+      <p:grpSpPr>
+        <a:xfrm>
+          <a:off x="0" y="0"/>
+          <a:ext cx="0" cy="0"/>
+          <a:chOff x="0" y="0"/>
+          <a:chExt cx="0" cy="0"/>
+        </a:xfrm>
+      </p:grpSpPr>
+      <p:sp>
+        <p:nvSpPr>
+          <p:cNvPr id="2" name="Slide Image Placeholder 1"/>
+          <p:cNvSpPr>
+            <a:spLocks noGrp="1" noRot="1" noChangeAspect="1"/>
+          </p:cNvSpPr>
+          <p:nvPr>
+            <p:ph type="sldImg"/>
+          </p:nvPr>
+        </p:nvSpPr>
+        <p:spPr/>
+      </p:sp>
+      <p:sp>
+        <p:nvSpPr>
+          <p:cNvPr id="3" name="Notes Placeholder 2"/>
+          <p:cNvSpPr>
+            <a:spLocks noGrp="1"/>
+          </p:cNvSpPr>
+          <p:nvPr>
+            <p:ph type="body" idx="1"/>
+          </p:nvPr>
+        </p:nvSpPr>
+        <p:spPr/>
+        <p:txBody>
+          <a:bodyPr/>
+          <a:lstStyle/>
+          <a:p>
+            <a:endParaRPr lang="en-IN" dirty="0"/>
+          </a:p>
+        </p:txBody>
+      </p:sp>
+      <p:sp>
+        <p:nvSpPr>
+          <p:cNvPr id="4" name="Slide Number Placeholder 3"/>
+          <p:cNvSpPr>
+            <a:spLocks noGrp="1"/>
+          </p:cNvSpPr>
+          <p:nvPr>
+            <p:ph type="sldNum" sz="quarter" idx="5"/>
+          </p:nvPr>
+        </p:nvSpPr>
+        <p:spPr/>
+        <p:txBody>
+          <a:bodyPr/>
+          <a:lstStyle/>
+          <a:p>
+            <a:fld id="{F97DC217-DF71-1A49-B3EA-559F1F43B0FF}" type="slidenum">
+              <a:rPr lang="en-US" smtClean="0"/>
+              <a:t>36</a:t>
+            </a:fld>
+            <a:endParaRPr lang="en-US" dirty="0"/>
+          </a:p>
+        </p:txBody>
+      </p:sp>
+    </p:spTree>
+    <p:extLst>
+      <p:ext uri="{BB962C8B-B14F-4D97-AF65-F5344CB8AC3E}">
+        <p14:creationId xmlns:p14="http://schemas.microsoft.com/office/powerpoint/2010/main" val="2069892582"/>
+      </p:ext>
+    </p:extLst>
+  </p:cSld>
+  <p:clrMapOvr>
+    <a:masterClrMapping/>
+  </p:clrMapOvr>
+</p:notes>
+</file>
+
+<file path=ppt/notesSlides/notesSlide13.xml><?xml version="1.0" encoding="utf-8"?>
+<p:notes xmlns:a="http://schemas.openxmlformats.org/drawingml/2006/main" xmlns:r="http://schemas.openxmlformats.org/officeDocument/2006/relationships" xmlns:p="http://schemas.openxmlformats.org/presentationml/2006/main">
+  <p:cSld>
+    <p:spTree>
+      <p:nvGrpSpPr>
+        <p:cNvPr id="1" name=""/>
+        <p:cNvGrpSpPr/>
+        <p:nvPr/>
+      </p:nvGrpSpPr>
+      <p:grpSpPr>
+        <a:xfrm>
+          <a:off x="0" y="0"/>
+          <a:ext cx="0" cy="0"/>
+          <a:chOff x="0" y="0"/>
+          <a:chExt cx="0" cy="0"/>
+        </a:xfrm>
+      </p:grpSpPr>
+      <p:sp>
+        <p:nvSpPr>
+          <p:cNvPr id="2" name="Slide Image Placeholder 1"/>
+          <p:cNvSpPr>
+            <a:spLocks noGrp="1" noRot="1" noChangeAspect="1"/>
+          </p:cNvSpPr>
+          <p:nvPr>
+            <p:ph type="sldImg"/>
+          </p:nvPr>
+        </p:nvSpPr>
+        <p:spPr/>
+      </p:sp>
+      <p:sp>
+        <p:nvSpPr>
+          <p:cNvPr id="3" name="Notes Placeholder 2"/>
+          <p:cNvSpPr>
+            <a:spLocks noGrp="1"/>
+          </p:cNvSpPr>
+          <p:nvPr>
+            <p:ph type="body" idx="1"/>
+          </p:nvPr>
+        </p:nvSpPr>
+        <p:spPr/>
+        <p:txBody>
+          <a:bodyPr/>
+          <a:lstStyle/>
+          <a:p>
+            <a:endParaRPr lang="en-IN" dirty="0"/>
+          </a:p>
+        </p:txBody>
+      </p:sp>
+      <p:sp>
+        <p:nvSpPr>
+          <p:cNvPr id="4" name="Slide Number Placeholder 3"/>
+          <p:cNvSpPr>
+            <a:spLocks noGrp="1"/>
+          </p:cNvSpPr>
+          <p:nvPr>
+            <p:ph type="sldNum" sz="quarter" idx="5"/>
+          </p:nvPr>
+        </p:nvSpPr>
+        <p:spPr/>
+        <p:txBody>
+          <a:bodyPr/>
+          <a:lstStyle/>
+          <a:p>
+            <a:fld id="{F97DC217-DF71-1A49-B3EA-559F1F43B0FF}" type="slidenum">
+              <a:rPr lang="en-US" smtClean="0"/>
+              <a:t>37</a:t>
             </a:fld>
             <a:endParaRPr lang="en-US" dirty="0"/>
           </a:p>
@@ -9023,7 +9193,7 @@
     </p:spTree>
     <p:extLst>
       <p:ext uri="{BB962C8B-B14F-4D97-AF65-F5344CB8AC3E}">
-        <p14:creationId xmlns:p14="http://schemas.microsoft.com/office/powerpoint/2010/main" val="4147003977"/>
+        <p14:creationId xmlns:p14="http://schemas.microsoft.com/office/powerpoint/2010/main" val="3050148518"/>
       </p:ext>
     </p:extLst>
   </p:cSld>
@@ -9107,7 +9277,7 @@
     </p:spTree>
     <p:extLst>
       <p:ext uri="{BB962C8B-B14F-4D97-AF65-F5344CB8AC3E}">
-        <p14:creationId xmlns:p14="http://schemas.microsoft.com/office/powerpoint/2010/main" val="2987265058"/>
+        <p14:creationId xmlns:p14="http://schemas.microsoft.com/office/powerpoint/2010/main" val="1250668261"/>
       </p:ext>
     </p:extLst>
   </p:cSld>
@@ -9191,7 +9361,7 @@
     </p:spTree>
     <p:extLst>
       <p:ext uri="{BB962C8B-B14F-4D97-AF65-F5344CB8AC3E}">
-        <p14:creationId xmlns:p14="http://schemas.microsoft.com/office/powerpoint/2010/main" val="1135167330"/>
+        <p14:creationId xmlns:p14="http://schemas.microsoft.com/office/powerpoint/2010/main" val="4147003977"/>
       </p:ext>
     </p:extLst>
   </p:cSld>
@@ -9275,7 +9445,7 @@
     </p:spTree>
     <p:extLst>
       <p:ext uri="{BB962C8B-B14F-4D97-AF65-F5344CB8AC3E}">
-        <p14:creationId xmlns:p14="http://schemas.microsoft.com/office/powerpoint/2010/main" val="3736848455"/>
+        <p14:creationId xmlns:p14="http://schemas.microsoft.com/office/powerpoint/2010/main" val="2987265058"/>
       </p:ext>
     </p:extLst>
   </p:cSld>
@@ -9359,7 +9529,7 @@
     </p:spTree>
     <p:extLst>
       <p:ext uri="{BB962C8B-B14F-4D97-AF65-F5344CB8AC3E}">
-        <p14:creationId xmlns:p14="http://schemas.microsoft.com/office/powerpoint/2010/main" val="500009166"/>
+        <p14:creationId xmlns:p14="http://schemas.microsoft.com/office/powerpoint/2010/main" val="1135167330"/>
       </p:ext>
     </p:extLst>
   </p:cSld>
@@ -9443,7 +9613,7 @@
     </p:spTree>
     <p:extLst>
       <p:ext uri="{BB962C8B-B14F-4D97-AF65-F5344CB8AC3E}">
-        <p14:creationId xmlns:p14="http://schemas.microsoft.com/office/powerpoint/2010/main" val="730559932"/>
+        <p14:creationId xmlns:p14="http://schemas.microsoft.com/office/powerpoint/2010/main" val="3736848455"/>
       </p:ext>
     </p:extLst>
   </p:cSld>
@@ -9527,7 +9697,7 @@
     </p:spTree>
     <p:extLst>
       <p:ext uri="{BB962C8B-B14F-4D97-AF65-F5344CB8AC3E}">
-        <p14:creationId xmlns:p14="http://schemas.microsoft.com/office/powerpoint/2010/main" val="1538285063"/>
+        <p14:creationId xmlns:p14="http://schemas.microsoft.com/office/powerpoint/2010/main" val="500009166"/>
       </p:ext>
     </p:extLst>
   </p:cSld>
@@ -10922,7 +11092,7 @@
           <a:p>
             <a:fld id="{AE46C21D-EBB5-4F3D-B06D-166777189317}" type="datetime1">
               <a:rPr lang="en-US" smtClean="0"/>
-              <a:t>7/20/2023</a:t>
+              <a:t>7/25/2023</a:t>
             </a:fld>
             <a:endParaRPr lang="en-US" dirty="0"/>
           </a:p>
@@ -11804,7 +11974,7 @@
           <a:p>
             <a:fld id="{1DFFEA26-EB1D-498C-95CD-1ECE586790AA}" type="datetime1">
               <a:rPr lang="en-US" smtClean="0"/>
-              <a:t>7/20/2023</a:t>
+              <a:t>7/25/2023</a:t>
             </a:fld>
             <a:endParaRPr lang="en-US" dirty="0"/>
           </a:p>
@@ -12975,7 +13145,7 @@
           <a:p>
             <a:fld id="{539842EE-D56F-4F18-94E7-094CEF23F906}" type="datetime1">
               <a:rPr lang="en-US" smtClean="0"/>
-              <a:t>7/20/2023</a:t>
+              <a:t>7/25/2023</a:t>
             </a:fld>
             <a:endParaRPr lang="en-US" dirty="0"/>
           </a:p>
@@ -15045,7 +15215,7 @@
           <a:p>
             <a:fld id="{45B08281-154C-4FEF-A6DF-18BA3AC0F374}" type="datetime1">
               <a:rPr lang="en-US" smtClean="0"/>
-              <a:t>7/20/2023</a:t>
+              <a:t>7/25/2023</a:t>
             </a:fld>
             <a:endParaRPr lang="en-US" dirty="0"/>
           </a:p>
@@ -15761,7 +15931,7 @@
           <a:p>
             <a:fld id="{04D857D4-BD7E-4A06-844B-AAD504F1114F}" type="datetime1">
               <a:rPr lang="en-US" smtClean="0"/>
-              <a:t>7/20/2023</a:t>
+              <a:t>7/25/2023</a:t>
             </a:fld>
             <a:endParaRPr lang="en-US" dirty="0"/>
           </a:p>
@@ -16984,7 +17154,7 @@
           <a:p>
             <a:fld id="{916AFA50-87A4-4E99-B112-8C6B1DFB84B2}" type="datetime1">
               <a:rPr lang="en-US" smtClean="0"/>
-              <a:t>7/20/2023</a:t>
+              <a:t>7/25/2023</a:t>
             </a:fld>
             <a:endParaRPr lang="en-US" dirty="0"/>
           </a:p>
@@ -17573,7 +17743,7 @@
           <a:p>
             <a:fld id="{6B3905CA-BF0F-4A1B-AA0D-85E42F5D5A85}" type="datetime1">
               <a:rPr lang="en-US" smtClean="0"/>
-              <a:t>7/20/2023</a:t>
+              <a:t>7/25/2023</a:t>
             </a:fld>
             <a:endParaRPr lang="en-US" dirty="0"/>
           </a:p>
@@ -18044,7 +18214,7 @@
           <a:p>
             <a:fld id="{D3DA9A77-60C0-4BB8-898D-2828EE4073AD}" type="datetime1">
               <a:rPr lang="en-US" smtClean="0"/>
-              <a:t>7/20/2023</a:t>
+              <a:t>7/25/2023</a:t>
             </a:fld>
             <a:endParaRPr lang="en-US" dirty="0"/>
           </a:p>
@@ -18876,7 +19046,7 @@
           <a:p>
             <a:fld id="{C1F30CD5-42B1-4614-9F46-5D29928CC2DB}" type="datetime1">
               <a:rPr lang="en-US" smtClean="0"/>
-              <a:t>7/20/2023</a:t>
+              <a:t>7/25/2023</a:t>
             </a:fld>
             <a:endParaRPr lang="en-US" dirty="0"/>
           </a:p>
@@ -21067,7 +21237,7 @@
           <a:p>
             <a:fld id="{EE6020E3-D95B-4E55-964F-4B1A98BDAA6F}" type="datetime1">
               <a:rPr lang="en-US" smtClean="0"/>
-              <a:t>7/20/2023</a:t>
+              <a:t>7/25/2023</a:t>
             </a:fld>
             <a:endParaRPr lang="en-US" dirty="0"/>
           </a:p>
@@ -21335,7 +21505,7 @@
           <a:p>
             <a:fld id="{FC9A72C8-1C87-42EF-8A11-BF6DFA19ED8B}" type="datetime1">
               <a:rPr lang="en-US" smtClean="0"/>
-              <a:t>7/20/2023</a:t>
+              <a:t>7/25/2023</a:t>
             </a:fld>
             <a:endParaRPr lang="en-US" dirty="0"/>
           </a:p>
@@ -27905,7 +28075,7 @@
             </a:pPr>
             <a:r>
               <a:rPr lang="en-US" sz="2400" dirty="0"/>
-              <a:t>We used data transformation in our data to convert the time stamp data from data time format to integer data.</a:t>
+              <a:t>We used data transformation in our data to convert the time stamp data from data time format to integer data and mapping quarter to [‘0’,’1’,’2’] from [‘early morning', 'late morning', 'afternoon]</a:t>
             </a:r>
           </a:p>
         </p:txBody>
@@ -28482,7 +28652,7 @@
             </a:r>
             <a:r>
               <a:rPr lang="en-US" b="1" dirty="0"/>
-              <a:t>(LEADER)</a:t>
+              <a:t>(LEADER) - 133</a:t>
             </a:r>
           </a:p>
           <a:p>
@@ -28492,7 +28662,7 @@
             </a:pPr>
             <a:r>
               <a:rPr lang="en-US" dirty="0"/>
-              <a:t>Shivan Singh</a:t>
+              <a:t>Shivan Singh - 129</a:t>
             </a:r>
           </a:p>
           <a:p>
@@ -28502,7 +28672,7 @@
             </a:pPr>
             <a:r>
               <a:rPr lang="en-US" dirty="0"/>
-              <a:t>Rajat Singh Jakhar</a:t>
+              <a:t>Rajat Singh Jakhar - 123</a:t>
             </a:r>
           </a:p>
           <a:p>
@@ -28519,9 +28689,10 @@
               <a:t>Bharatesh</a:t>
             </a:r>
             <a:r>
-              <a:rPr lang="en-US" dirty="0"/>
-              <a:t> Palled</a:t>
+              <a:rPr lang="en-US"/>
+              <a:t> Palled - 122</a:t>
             </a:r>
+            <a:endParaRPr lang="en-US" dirty="0"/>
           </a:p>
           <a:p>
             <a:endParaRPr lang="en-US" dirty="0"/>
@@ -30068,10 +30239,10 @@
       </p:sp>
       <p:pic>
         <p:nvPicPr>
-          <p:cNvPr id="4" name="Picture 3">
+          <p:cNvPr id="5" name="Picture 4">
             <a:extLst>
               <a:ext uri="{FF2B5EF4-FFF2-40B4-BE49-F238E27FC236}">
-                <a16:creationId xmlns:a16="http://schemas.microsoft.com/office/drawing/2014/main" id="{00B07835-361C-BAF6-83D7-D3698FF9CFA8}"/>
+                <a16:creationId xmlns:a16="http://schemas.microsoft.com/office/drawing/2014/main" id="{C550682A-FABF-A5B2-264E-BE81866ED506}"/>
               </a:ext>
             </a:extLst>
           </p:cNvPr>
@@ -30088,49 +30259,14 @@
         </p:blipFill>
         <p:spPr>
           <a:xfrm>
-            <a:off x="1062725" y="3279534"/>
-            <a:ext cx="6782149" cy="2597283"/>
+            <a:off x="671732" y="3184596"/>
+            <a:ext cx="7106015" cy="2876698"/>
           </a:xfrm>
           <a:prstGeom prst="rect">
             <a:avLst/>
           </a:prstGeom>
         </p:spPr>
       </p:pic>
-      <p:sp>
-        <p:nvSpPr>
-          <p:cNvPr id="6" name="TextBox 5">
-            <a:extLst>
-              <a:ext uri="{FF2B5EF4-FFF2-40B4-BE49-F238E27FC236}">
-                <a16:creationId xmlns:a16="http://schemas.microsoft.com/office/drawing/2014/main" id="{AE7740D3-31CD-99E3-B94C-78175B60FB24}"/>
-              </a:ext>
-            </a:extLst>
-          </p:cNvPr>
-          <p:cNvSpPr txBox="1"/>
-          <p:nvPr/>
-        </p:nvSpPr>
-        <p:spPr>
-          <a:xfrm>
-            <a:off x="1062725" y="2827168"/>
-            <a:ext cx="6097712" cy="369332"/>
-          </a:xfrm>
-          <a:prstGeom prst="rect">
-            <a:avLst/>
-          </a:prstGeom>
-          <a:noFill/>
-        </p:spPr>
-        <p:txBody>
-          <a:bodyPr wrap="square">
-            <a:spAutoFit/>
-          </a:bodyPr>
-          <a:lstStyle/>
-          <a:p>
-            <a:r>
-              <a:rPr lang="en-US" dirty="0"/>
-              <a:t>AARTIND Company</a:t>
-            </a:r>
-          </a:p>
-        </p:txBody>
-      </p:sp>
     </p:spTree>
     <p:extLst>
       <p:ext uri="{BB962C8B-B14F-4D97-AF65-F5344CB8AC3E}">
@@ -30477,47 +30613,12 @@
           </a:p>
         </p:txBody>
       </p:sp>
-      <p:sp>
-        <p:nvSpPr>
-          <p:cNvPr id="6" name="TextBox 5">
+      <p:pic>
+        <p:nvPicPr>
+          <p:cNvPr id="4" name="Picture 3">
             <a:extLst>
               <a:ext uri="{FF2B5EF4-FFF2-40B4-BE49-F238E27FC236}">
-                <a16:creationId xmlns:a16="http://schemas.microsoft.com/office/drawing/2014/main" id="{AE7740D3-31CD-99E3-B94C-78175B60FB24}"/>
-              </a:ext>
-            </a:extLst>
-          </p:cNvPr>
-          <p:cNvSpPr txBox="1"/>
-          <p:nvPr/>
-        </p:nvSpPr>
-        <p:spPr>
-          <a:xfrm>
-            <a:off x="1062725" y="2827168"/>
-            <a:ext cx="6097712" cy="369332"/>
-          </a:xfrm>
-          <a:prstGeom prst="rect">
-            <a:avLst/>
-          </a:prstGeom>
-          <a:noFill/>
-        </p:spPr>
-        <p:txBody>
-          <a:bodyPr wrap="square">
-            <a:spAutoFit/>
-          </a:bodyPr>
-          <a:lstStyle/>
-          <a:p>
-            <a:r>
-              <a:rPr lang="en-US" dirty="0"/>
-              <a:t>ABCAPITAL Company</a:t>
-            </a:r>
-          </a:p>
-        </p:txBody>
-      </p:sp>
-      <p:pic>
-        <p:nvPicPr>
-          <p:cNvPr id="10" name="Picture 9">
-            <a:extLst>
-              <a:ext uri="{FF2B5EF4-FFF2-40B4-BE49-F238E27FC236}">
-                <a16:creationId xmlns:a16="http://schemas.microsoft.com/office/drawing/2014/main" id="{3170F0CE-0D35-7F0D-588A-446727088F5D}"/>
+                <a16:creationId xmlns:a16="http://schemas.microsoft.com/office/drawing/2014/main" id="{4523B216-D50B-F14E-CC7A-56AA5AB2AE63}"/>
               </a:ext>
             </a:extLst>
           </p:cNvPr>
@@ -30534,8 +30635,8 @@
         </p:blipFill>
         <p:spPr>
           <a:xfrm>
-            <a:off x="1062725" y="3196500"/>
-            <a:ext cx="7437624" cy="2567302"/>
+            <a:off x="897042" y="2618506"/>
+            <a:ext cx="6871053" cy="2946551"/>
           </a:xfrm>
           <a:prstGeom prst="rect">
             <a:avLst/>
@@ -30600,7 +30701,7 @@
           <a:p>
             <a:r>
               <a:rPr lang="en-US" dirty="0"/>
-              <a:t>Correlation Between Columns</a:t>
+              <a:t>Correlation Between Columns Heatmap</a:t>
             </a:r>
           </a:p>
         </p:txBody>
@@ -30888,72 +30989,57 @@
           </a:p>
         </p:txBody>
       </p:sp>
-      <p:sp>
-        <p:nvSpPr>
-          <p:cNvPr id="3" name="TextBox 2">
+      <p:pic>
+        <p:nvPicPr>
+          <p:cNvPr id="3" name="Picture 2">
             <a:extLst>
               <a:ext uri="{FF2B5EF4-FFF2-40B4-BE49-F238E27FC236}">
-                <a16:creationId xmlns:a16="http://schemas.microsoft.com/office/drawing/2014/main" id="{3D4B578D-4472-518E-BE24-AE270203ED67}"/>
+                <a16:creationId xmlns:a16="http://schemas.microsoft.com/office/drawing/2014/main" id="{AB264336-9284-E53F-9D31-7BDA2A67B80B}"/>
               </a:ext>
             </a:extLst>
           </p:cNvPr>
-          <p:cNvSpPr txBox="1"/>
+          <p:cNvPicPr>
+            <a:picLocks noChangeAspect="1" noChangeArrowheads="1"/>
+          </p:cNvPicPr>
           <p:nvPr/>
-        </p:nvSpPr>
-        <p:spPr>
+        </p:nvPicPr>
+        <p:blipFill>
+          <a:blip r:embed="rId4">
+            <a:extLst>
+              <a:ext uri="{28A0092B-C50C-407E-A947-70E740481C1C}">
+                <a14:useLocalDpi xmlns:a14="http://schemas.microsoft.com/office/drawing/2010/main" val="0"/>
+              </a:ext>
+            </a:extLst>
+          </a:blip>
+          <a:srcRect/>
+          <a:stretch>
+            <a:fillRect/>
+          </a:stretch>
+        </p:blipFill>
+        <p:spPr bwMode="auto">
           <a:xfrm>
-            <a:off x="1062724" y="2306745"/>
-            <a:ext cx="6930569" cy="2308324"/>
+            <a:off x="1468783" y="2298307"/>
+            <a:ext cx="4992100" cy="4310982"/>
           </a:xfrm>
           <a:prstGeom prst="rect">
             <a:avLst/>
           </a:prstGeom>
           <a:noFill/>
+          <a:extLst>
+            <a:ext uri="{909E8E84-426E-40DD-AFC4-6F175D3DCCD1}">
+              <a14:hiddenFill xmlns:a14="http://schemas.microsoft.com/office/drawing/2010/main">
+                <a:solidFill>
+                  <a:srgbClr val="FFFFFF"/>
+                </a:solidFill>
+              </a14:hiddenFill>
+            </a:ext>
+          </a:extLst>
         </p:spPr>
-        <p:txBody>
-          <a:bodyPr wrap="square">
-            <a:spAutoFit/>
-          </a:bodyPr>
-          <a:lstStyle/>
-          <a:p>
-            <a:r>
-              <a:rPr lang="en-US" dirty="0"/>
-              <a:t>As only starting with timestamp. We can see correlation between timestamp and MA is high as well as open and MA.</a:t>
-            </a:r>
-            <a:br>
-              <a:rPr lang="en-US" dirty="0"/>
-            </a:br>
-            <a:br>
-              <a:rPr lang="en-US" dirty="0"/>
-            </a:br>
-            <a:r>
-              <a:rPr lang="en-US" dirty="0"/>
-              <a:t>So from timestamp first we predicting MA, from </a:t>
-            </a:r>
-            <a:r>
-              <a:rPr lang="en-US" dirty="0" err="1"/>
-              <a:t>from</a:t>
-            </a:r>
-            <a:r>
-              <a:rPr lang="en-US" dirty="0"/>
-              <a:t> given timestamp and MA we are predicting open</a:t>
-            </a:r>
-          </a:p>
-          <a:p>
-            <a:endParaRPr lang="en-US" dirty="0"/>
-          </a:p>
-          <a:p>
-            <a:r>
-              <a:rPr lang="en-US" dirty="0"/>
-              <a:t>The from Predicted MA, open and given timestamp we are predicting close. And same procedure for high and low  </a:t>
-            </a:r>
-          </a:p>
-        </p:txBody>
-      </p:sp>
+      </p:pic>
     </p:spTree>
     <p:extLst>
       <p:ext uri="{BB962C8B-B14F-4D97-AF65-F5344CB8AC3E}">
-        <p14:creationId xmlns:p14="http://schemas.microsoft.com/office/powerpoint/2010/main" val="1138786998"/>
+        <p14:creationId xmlns:p14="http://schemas.microsoft.com/office/powerpoint/2010/main" val="1506908154"/>
       </p:ext>
     </p:extLst>
   </p:cSld>
@@ -31008,7 +31094,7 @@
           <a:p>
             <a:r>
               <a:rPr lang="en-US" dirty="0"/>
-              <a:t>Predictions Mean Square Error</a:t>
+              <a:t>Correlation Between Columns Heatmap</a:t>
             </a:r>
           </a:p>
         </p:txBody>
@@ -31296,76 +31382,57 @@
           </a:p>
         </p:txBody>
       </p:sp>
-      <p:sp>
-        <p:nvSpPr>
-          <p:cNvPr id="5" name="TextBox 4">
+      <p:pic>
+        <p:nvPicPr>
+          <p:cNvPr id="2050" name="Picture 2">
             <a:extLst>
               <a:ext uri="{FF2B5EF4-FFF2-40B4-BE49-F238E27FC236}">
-                <a16:creationId xmlns:a16="http://schemas.microsoft.com/office/drawing/2014/main" id="{22FEE802-8774-6082-9545-83CCEEDD291F}"/>
+                <a16:creationId xmlns:a16="http://schemas.microsoft.com/office/drawing/2014/main" id="{99314AB8-9FBB-A234-7561-4352BD00EDDE}"/>
               </a:ext>
             </a:extLst>
           </p:cNvPr>
-          <p:cNvSpPr txBox="1"/>
+          <p:cNvPicPr>
+            <a:picLocks noChangeAspect="1" noChangeArrowheads="1"/>
+          </p:cNvPicPr>
           <p:nvPr/>
-        </p:nvSpPr>
-        <p:spPr>
+        </p:nvPicPr>
+        <p:blipFill>
+          <a:blip r:embed="rId4">
+            <a:extLst>
+              <a:ext uri="{28A0092B-C50C-407E-A947-70E740481C1C}">
+                <a14:useLocalDpi xmlns:a14="http://schemas.microsoft.com/office/drawing/2010/main" val="0"/>
+              </a:ext>
+            </a:extLst>
+          </a:blip>
+          <a:srcRect/>
+          <a:stretch>
+            <a:fillRect/>
+          </a:stretch>
+        </p:blipFill>
+        <p:spPr bwMode="auto">
           <a:xfrm>
-            <a:off x="1062723" y="2699472"/>
-            <a:ext cx="6539687" cy="1754326"/>
+            <a:off x="1627312" y="2589450"/>
+            <a:ext cx="4468688" cy="3728696"/>
           </a:xfrm>
           <a:prstGeom prst="rect">
             <a:avLst/>
           </a:prstGeom>
           <a:noFill/>
+          <a:extLst>
+            <a:ext uri="{909E8E84-426E-40DD-AFC4-6F175D3DCCD1}">
+              <a14:hiddenFill xmlns:a14="http://schemas.microsoft.com/office/drawing/2010/main">
+                <a:solidFill>
+                  <a:srgbClr val="FFFFFF"/>
+                </a:solidFill>
+              </a14:hiddenFill>
+            </a:ext>
+          </a:extLst>
         </p:spPr>
-        <p:txBody>
-          <a:bodyPr wrap="square">
-            <a:spAutoFit/>
-          </a:bodyPr>
-          <a:lstStyle/>
-          <a:p>
-            <a:r>
-              <a:rPr lang="en-US" dirty="0"/>
-              <a:t>Company GMRINFRA</a:t>
-            </a:r>
-          </a:p>
-          <a:p>
-            <a:r>
-              <a:rPr lang="en-US" dirty="0"/>
-              <a:t>Mean Square Error for MA: 0.681561275914831</a:t>
-            </a:r>
-          </a:p>
-          <a:p>
-            <a:r>
-              <a:rPr lang="en-US" dirty="0"/>
-              <a:t>Mean Square Error for open: 6.670817967219985</a:t>
-            </a:r>
-          </a:p>
-          <a:p>
-            <a:r>
-              <a:rPr lang="en-US" dirty="0"/>
-              <a:t>Mean Square Error for close: 0.0019042509203748925</a:t>
-            </a:r>
-          </a:p>
-          <a:p>
-            <a:r>
-              <a:rPr lang="en-US" dirty="0"/>
-              <a:t>Mean Square Error for high: 0.0006570024659466621</a:t>
-            </a:r>
-          </a:p>
-          <a:p>
-            <a:r>
-              <a:rPr lang="en-US" dirty="0"/>
-              <a:t>Mean Square Error for low: 0.0006728098888524553</a:t>
-            </a:r>
-            <a:endParaRPr lang="en-IN" dirty="0"/>
-          </a:p>
-        </p:txBody>
-      </p:sp>
+      </p:pic>
     </p:spTree>
     <p:extLst>
       <p:ext uri="{BB962C8B-B14F-4D97-AF65-F5344CB8AC3E}">
-        <p14:creationId xmlns:p14="http://schemas.microsoft.com/office/powerpoint/2010/main" val="1252333476"/>
+        <p14:creationId xmlns:p14="http://schemas.microsoft.com/office/powerpoint/2010/main" val="2583190446"/>
       </p:ext>
     </p:extLst>
   </p:cSld>
@@ -31420,14 +31487,7 @@
           <a:p>
             <a:r>
               <a:rPr lang="en-US" dirty="0"/>
-              <a:t>Predictions for date </a:t>
-            </a:r>
-            <a:br>
-              <a:rPr lang="en-US" dirty="0"/>
-            </a:br>
-            <a:r>
-              <a:rPr lang="en-US" dirty="0"/>
-              <a:t>21-07-14 15:30:00 </a:t>
+              <a:t>Correlation Between Columns</a:t>
             </a:r>
           </a:p>
         </p:txBody>
@@ -31717,10 +31777,10 @@
       </p:sp>
       <p:sp>
         <p:nvSpPr>
-          <p:cNvPr id="5" name="TextBox 4">
+          <p:cNvPr id="3" name="TextBox 2">
             <a:extLst>
               <a:ext uri="{FF2B5EF4-FFF2-40B4-BE49-F238E27FC236}">
-                <a16:creationId xmlns:a16="http://schemas.microsoft.com/office/drawing/2014/main" id="{22FEE802-8774-6082-9545-83CCEEDD291F}"/>
+                <a16:creationId xmlns:a16="http://schemas.microsoft.com/office/drawing/2014/main" id="{3D4B578D-4472-518E-BE24-AE270203ED67}"/>
               </a:ext>
             </a:extLst>
           </p:cNvPr>
@@ -31729,8 +31789,8 @@
         </p:nvSpPr>
         <p:spPr>
           <a:xfrm>
-            <a:off x="1062723" y="2699472"/>
-            <a:ext cx="6539687" cy="1477328"/>
+            <a:off x="1062724" y="2306745"/>
+            <a:ext cx="6930569" cy="2308324"/>
           </a:xfrm>
           <a:prstGeom prst="rect">
             <a:avLst/>
@@ -31745,40 +31805,42 @@
           <a:p>
             <a:r>
               <a:rPr lang="en-US" dirty="0"/>
-              <a:t>COMPANY: GMRINFRA</a:t>
+              <a:t>As only starting with timestamp. We can see correlation between timestamp and MA is high as well as open and MA.</a:t>
             </a:r>
-          </a:p>
-          <a:p>
+            <a:br>
+              <a:rPr lang="en-US" dirty="0"/>
+            </a:br>
+            <a:br>
+              <a:rPr lang="en-US" dirty="0"/>
+            </a:br>
             <a:r>
               <a:rPr lang="en-US" dirty="0"/>
-              <a:t>Predicted Open: [22.22102903]</a:t>
+              <a:t>So from timestamp first we predicting MA, from </a:t>
             </a:r>
-          </a:p>
-          <a:p>
+            <a:r>
+              <a:rPr lang="en-US" dirty="0" err="1"/>
+              <a:t>from</a:t>
+            </a:r>
             <a:r>
               <a:rPr lang="en-US" dirty="0"/>
-              <a:t>Predicted High: [22.25326726]</a:t>
+              <a:t> given timestamp and MA we are predicting open</a:t>
             </a:r>
+          </a:p>
+          <a:p>
+            <a:endParaRPr lang="en-US" dirty="0"/>
           </a:p>
           <a:p>
             <a:r>
               <a:rPr lang="en-US" dirty="0"/>
-              <a:t>Predicted Low: [22.19410753]</a:t>
+              <a:t>The from Predicted MA, open and given timestamp we are predicting close. And same procedure for high and low  </a:t>
             </a:r>
-          </a:p>
-          <a:p>
-            <a:r>
-              <a:rPr lang="en-US" dirty="0"/>
-              <a:t>Predicted Close: [22.22102357]</a:t>
-            </a:r>
-            <a:endParaRPr lang="en-IN" dirty="0"/>
           </a:p>
         </p:txBody>
       </p:sp>
     </p:spTree>
     <p:extLst>
       <p:ext uri="{BB962C8B-B14F-4D97-AF65-F5344CB8AC3E}">
-        <p14:creationId xmlns:p14="http://schemas.microsoft.com/office/powerpoint/2010/main" val="3806890083"/>
+        <p14:creationId xmlns:p14="http://schemas.microsoft.com/office/powerpoint/2010/main" val="1138786998"/>
       </p:ext>
     </p:extLst>
   </p:cSld>
@@ -31966,7 +32028,7 @@
           <a:p>
             <a:r>
               <a:rPr lang="en-US" dirty="0"/>
-              <a:t>Predictions VS Actual Data</a:t>
+              <a:t>Predictions Mean Square Error</a:t>
             </a:r>
           </a:p>
         </p:txBody>
@@ -32254,57 +32316,76 @@
           </a:p>
         </p:txBody>
       </p:sp>
-      <p:pic>
-        <p:nvPicPr>
-          <p:cNvPr id="12292" name="Picture 4">
+      <p:sp>
+        <p:nvSpPr>
+          <p:cNvPr id="5" name="TextBox 4">
             <a:extLst>
               <a:ext uri="{FF2B5EF4-FFF2-40B4-BE49-F238E27FC236}">
-                <a16:creationId xmlns:a16="http://schemas.microsoft.com/office/drawing/2014/main" id="{8F0A4D5D-91F2-5DEA-750B-44C510F7FCE6}"/>
+                <a16:creationId xmlns:a16="http://schemas.microsoft.com/office/drawing/2014/main" id="{22FEE802-8774-6082-9545-83CCEEDD291F}"/>
               </a:ext>
             </a:extLst>
           </p:cNvPr>
-          <p:cNvPicPr>
-            <a:picLocks noChangeAspect="1" noChangeArrowheads="1"/>
-          </p:cNvPicPr>
+          <p:cNvSpPr txBox="1"/>
           <p:nvPr/>
-        </p:nvPicPr>
-        <p:blipFill>
-          <a:blip r:embed="rId4">
-            <a:extLst>
-              <a:ext uri="{28A0092B-C50C-407E-A947-70E740481C1C}">
-                <a14:useLocalDpi xmlns:a14="http://schemas.microsoft.com/office/drawing/2010/main" val="0"/>
-              </a:ext>
-            </a:extLst>
-          </a:blip>
-          <a:srcRect/>
-          <a:stretch>
-            <a:fillRect/>
-          </a:stretch>
-        </p:blipFill>
-        <p:spPr bwMode="auto">
+        </p:nvSpPr>
+        <p:spPr>
           <a:xfrm>
-            <a:off x="1660806" y="2470042"/>
-            <a:ext cx="5343525" cy="4162425"/>
+            <a:off x="1062723" y="2699472"/>
+            <a:ext cx="6539687" cy="1754326"/>
           </a:xfrm>
           <a:prstGeom prst="rect">
             <a:avLst/>
           </a:prstGeom>
           <a:noFill/>
-          <a:extLst>
-            <a:ext uri="{909E8E84-426E-40DD-AFC4-6F175D3DCCD1}">
-              <a14:hiddenFill xmlns:a14="http://schemas.microsoft.com/office/drawing/2010/main">
-                <a:solidFill>
-                  <a:srgbClr val="FFFFFF"/>
-                </a:solidFill>
-              </a14:hiddenFill>
-            </a:ext>
-          </a:extLst>
         </p:spPr>
-      </p:pic>
+        <p:txBody>
+          <a:bodyPr wrap="square">
+            <a:spAutoFit/>
+          </a:bodyPr>
+          <a:lstStyle/>
+          <a:p>
+            <a:r>
+              <a:rPr lang="en-US" dirty="0"/>
+              <a:t>Company GMRINFRA</a:t>
+            </a:r>
+          </a:p>
+          <a:p>
+            <a:r>
+              <a:rPr lang="en-US" dirty="0"/>
+              <a:t>Mean Square Error for MA: 0.681561275914831</a:t>
+            </a:r>
+          </a:p>
+          <a:p>
+            <a:r>
+              <a:rPr lang="en-US" dirty="0"/>
+              <a:t>Mean Square Error for open: 6.670817967219985</a:t>
+            </a:r>
+          </a:p>
+          <a:p>
+            <a:r>
+              <a:rPr lang="en-US" dirty="0"/>
+              <a:t>Mean Square Error for close: 0.0019042509203748925</a:t>
+            </a:r>
+          </a:p>
+          <a:p>
+            <a:r>
+              <a:rPr lang="en-US" dirty="0"/>
+              <a:t>Mean Square Error for high: 0.0006570024659466621</a:t>
+            </a:r>
+          </a:p>
+          <a:p>
+            <a:r>
+              <a:rPr lang="en-US" dirty="0"/>
+              <a:t>Mean Square Error for low: 0.0006728098888524553</a:t>
+            </a:r>
+            <a:endParaRPr lang="en-IN" dirty="0"/>
+          </a:p>
+        </p:txBody>
+      </p:sp>
     </p:spTree>
     <p:extLst>
       <p:ext uri="{BB962C8B-B14F-4D97-AF65-F5344CB8AC3E}">
-        <p14:creationId xmlns:p14="http://schemas.microsoft.com/office/powerpoint/2010/main" val="1782677807"/>
+        <p14:creationId xmlns:p14="http://schemas.microsoft.com/office/powerpoint/2010/main" val="1252333476"/>
       </p:ext>
     </p:extLst>
   </p:cSld>
@@ -32359,7 +32440,14 @@
           <a:p>
             <a:r>
               <a:rPr lang="en-US" dirty="0"/>
-              <a:t>Predictions VS Actual Data</a:t>
+              <a:t>Predictions for date </a:t>
+            </a:r>
+            <a:br>
+              <a:rPr lang="en-US" dirty="0"/>
+            </a:br>
+            <a:r>
+              <a:rPr lang="en-US" dirty="0"/>
+              <a:t>21-07-14 15:30:00 </a:t>
             </a:r>
           </a:p>
         </p:txBody>
@@ -32647,57 +32735,70 @@
           </a:p>
         </p:txBody>
       </p:sp>
-      <p:pic>
-        <p:nvPicPr>
-          <p:cNvPr id="12290" name="Picture 2">
+      <p:sp>
+        <p:nvSpPr>
+          <p:cNvPr id="5" name="TextBox 4">
             <a:extLst>
               <a:ext uri="{FF2B5EF4-FFF2-40B4-BE49-F238E27FC236}">
-                <a16:creationId xmlns:a16="http://schemas.microsoft.com/office/drawing/2014/main" id="{FAF1A4E9-B459-D60B-6D47-05A4D9AD2F31}"/>
+                <a16:creationId xmlns:a16="http://schemas.microsoft.com/office/drawing/2014/main" id="{22FEE802-8774-6082-9545-83CCEEDD291F}"/>
               </a:ext>
             </a:extLst>
           </p:cNvPr>
-          <p:cNvPicPr>
-            <a:picLocks noChangeAspect="1" noChangeArrowheads="1"/>
-          </p:cNvPicPr>
+          <p:cNvSpPr txBox="1"/>
           <p:nvPr/>
-        </p:nvPicPr>
-        <p:blipFill>
-          <a:blip r:embed="rId4">
-            <a:extLst>
-              <a:ext uri="{28A0092B-C50C-407E-A947-70E740481C1C}">
-                <a14:useLocalDpi xmlns:a14="http://schemas.microsoft.com/office/drawing/2010/main" val="0"/>
-              </a:ext>
-            </a:extLst>
-          </a:blip>
-          <a:srcRect/>
-          <a:stretch>
-            <a:fillRect/>
-          </a:stretch>
-        </p:blipFill>
-        <p:spPr bwMode="auto">
+        </p:nvSpPr>
+        <p:spPr>
           <a:xfrm>
-            <a:off x="1328310" y="2470042"/>
-            <a:ext cx="5343525" cy="4162425"/>
+            <a:off x="1062723" y="2699472"/>
+            <a:ext cx="6539687" cy="1477328"/>
           </a:xfrm>
           <a:prstGeom prst="rect">
             <a:avLst/>
           </a:prstGeom>
           <a:noFill/>
-          <a:extLst>
-            <a:ext uri="{909E8E84-426E-40DD-AFC4-6F175D3DCCD1}">
-              <a14:hiddenFill xmlns:a14="http://schemas.microsoft.com/office/drawing/2010/main">
-                <a:solidFill>
-                  <a:srgbClr val="FFFFFF"/>
-                </a:solidFill>
-              </a14:hiddenFill>
-            </a:ext>
-          </a:extLst>
         </p:spPr>
-      </p:pic>
+        <p:txBody>
+          <a:bodyPr wrap="square">
+            <a:spAutoFit/>
+          </a:bodyPr>
+          <a:lstStyle/>
+          <a:p>
+            <a:r>
+              <a:rPr lang="en-US" dirty="0"/>
+              <a:t>COMPANY: GMRINFRA</a:t>
+            </a:r>
+          </a:p>
+          <a:p>
+            <a:r>
+              <a:rPr lang="en-US" dirty="0"/>
+              <a:t>Predicted Open: [22.22102903]</a:t>
+            </a:r>
+          </a:p>
+          <a:p>
+            <a:r>
+              <a:rPr lang="en-US" dirty="0"/>
+              <a:t>Predicted High: [22.25326726]</a:t>
+            </a:r>
+          </a:p>
+          <a:p>
+            <a:r>
+              <a:rPr lang="en-US" dirty="0"/>
+              <a:t>Predicted Low: [22.19410753]</a:t>
+            </a:r>
+          </a:p>
+          <a:p>
+            <a:r>
+              <a:rPr lang="en-US" dirty="0"/>
+              <a:t>Predicted Close: [22.22102357]</a:t>
+            </a:r>
+            <a:endParaRPr lang="en-IN" dirty="0"/>
+          </a:p>
+        </p:txBody>
+      </p:sp>
     </p:spTree>
     <p:extLst>
       <p:ext uri="{BB962C8B-B14F-4D97-AF65-F5344CB8AC3E}">
-        <p14:creationId xmlns:p14="http://schemas.microsoft.com/office/powerpoint/2010/main" val="1893499256"/>
+        <p14:creationId xmlns:p14="http://schemas.microsoft.com/office/powerpoint/2010/main" val="3806890083"/>
       </p:ext>
     </p:extLst>
   </p:cSld>
@@ -33042,10 +33143,10 @@
       </p:sp>
       <p:pic>
         <p:nvPicPr>
-          <p:cNvPr id="13314" name="Picture 2">
+          <p:cNvPr id="12292" name="Picture 4">
             <a:extLst>
               <a:ext uri="{FF2B5EF4-FFF2-40B4-BE49-F238E27FC236}">
-                <a16:creationId xmlns:a16="http://schemas.microsoft.com/office/drawing/2014/main" id="{E292F84C-21E4-3B15-930F-5638DCF44ACD}"/>
+                <a16:creationId xmlns:a16="http://schemas.microsoft.com/office/drawing/2014/main" id="{8F0A4D5D-91F2-5DEA-750B-44C510F7FCE6}"/>
               </a:ext>
             </a:extLst>
           </p:cNvPr>
@@ -33069,7 +33170,7 @@
         </p:blipFill>
         <p:spPr bwMode="auto">
           <a:xfrm>
-            <a:off x="1574890" y="2372585"/>
+            <a:off x="1660806" y="2470042"/>
             <a:ext cx="5343525" cy="4162425"/>
           </a:xfrm>
           <a:prstGeom prst="rect">
@@ -33090,7 +33191,7 @@
     </p:spTree>
     <p:extLst>
       <p:ext uri="{BB962C8B-B14F-4D97-AF65-F5344CB8AC3E}">
-        <p14:creationId xmlns:p14="http://schemas.microsoft.com/office/powerpoint/2010/main" val="1969348854"/>
+        <p14:creationId xmlns:p14="http://schemas.microsoft.com/office/powerpoint/2010/main" val="1782677807"/>
       </p:ext>
     </p:extLst>
   </p:cSld>
@@ -33435,10 +33536,10 @@
       </p:sp>
       <p:pic>
         <p:nvPicPr>
-          <p:cNvPr id="14338" name="Picture 2">
+          <p:cNvPr id="12290" name="Picture 2">
             <a:extLst>
               <a:ext uri="{FF2B5EF4-FFF2-40B4-BE49-F238E27FC236}">
-                <a16:creationId xmlns:a16="http://schemas.microsoft.com/office/drawing/2014/main" id="{CB4493EF-86D0-9D02-8CA9-B8D5CF88072C}"/>
+                <a16:creationId xmlns:a16="http://schemas.microsoft.com/office/drawing/2014/main" id="{FAF1A4E9-B459-D60B-6D47-05A4D9AD2F31}"/>
               </a:ext>
             </a:extLst>
           </p:cNvPr>
@@ -33462,7 +33563,7 @@
         </p:blipFill>
         <p:spPr bwMode="auto">
           <a:xfrm>
-            <a:off x="1660806" y="2470042"/>
+            <a:off x="1328310" y="2470042"/>
             <a:ext cx="5343525" cy="4162425"/>
           </a:xfrm>
           <a:prstGeom prst="rect">
@@ -33483,7 +33584,7 @@
     </p:spTree>
     <p:extLst>
       <p:ext uri="{BB962C8B-B14F-4D97-AF65-F5344CB8AC3E}">
-        <p14:creationId xmlns:p14="http://schemas.microsoft.com/office/powerpoint/2010/main" val="253889818"/>
+        <p14:creationId xmlns:p14="http://schemas.microsoft.com/office/powerpoint/2010/main" val="1893499256"/>
       </p:ext>
     </p:extLst>
   </p:cSld>
@@ -33528,7 +33629,7 @@
         </p:nvSpPr>
         <p:spPr>
           <a:xfrm>
-            <a:off x="1052451" y="1679826"/>
+            <a:off x="1062725" y="981183"/>
             <a:ext cx="6539688" cy="1325563"/>
           </a:xfrm>
         </p:spPr>
@@ -33538,7 +33639,7 @@
           <a:p>
             <a:r>
               <a:rPr lang="en-US" dirty="0"/>
-              <a:t>Best Company to put stock for a date and time</a:t>
+              <a:t>Predictions VS Actual Data</a:t>
             </a:r>
           </a:p>
         </p:txBody>
@@ -33826,46 +33927,57 @@
           </a:p>
         </p:txBody>
       </p:sp>
-      <p:sp>
-        <p:nvSpPr>
-          <p:cNvPr id="4" name="TextBox 3">
+      <p:pic>
+        <p:nvPicPr>
+          <p:cNvPr id="13314" name="Picture 2">
             <a:extLst>
               <a:ext uri="{FF2B5EF4-FFF2-40B4-BE49-F238E27FC236}">
-                <a16:creationId xmlns:a16="http://schemas.microsoft.com/office/drawing/2014/main" id="{3BEF1D88-1DC6-A2D2-447A-BAF405748BD2}"/>
+                <a16:creationId xmlns:a16="http://schemas.microsoft.com/office/drawing/2014/main" id="{E292F84C-21E4-3B15-930F-5638DCF44ACD}"/>
               </a:ext>
             </a:extLst>
           </p:cNvPr>
-          <p:cNvSpPr txBox="1"/>
+          <p:cNvPicPr>
+            <a:picLocks noChangeAspect="1" noChangeArrowheads="1"/>
+          </p:cNvPicPr>
           <p:nvPr/>
-        </p:nvSpPr>
-        <p:spPr>
+        </p:nvPicPr>
+        <p:blipFill>
+          <a:blip r:embed="rId4">
+            <a:extLst>
+              <a:ext uri="{28A0092B-C50C-407E-A947-70E740481C1C}">
+                <a14:useLocalDpi xmlns:a14="http://schemas.microsoft.com/office/drawing/2010/main" val="0"/>
+              </a:ext>
+            </a:extLst>
+          </a:blip>
+          <a:srcRect/>
+          <a:stretch>
+            <a:fillRect/>
+          </a:stretch>
+        </p:blipFill>
+        <p:spPr bwMode="auto">
           <a:xfrm>
-            <a:off x="1052451" y="3622588"/>
-            <a:ext cx="6097712" cy="1200329"/>
+            <a:off x="1574890" y="2372585"/>
+            <a:ext cx="5343525" cy="4162425"/>
           </a:xfrm>
           <a:prstGeom prst="rect">
             <a:avLst/>
           </a:prstGeom>
           <a:noFill/>
+          <a:extLst>
+            <a:ext uri="{909E8E84-426E-40DD-AFC4-6F175D3DCCD1}">
+              <a14:hiddenFill xmlns:a14="http://schemas.microsoft.com/office/drawing/2010/main">
+                <a:solidFill>
+                  <a:srgbClr val="FFFFFF"/>
+                </a:solidFill>
+              </a14:hiddenFill>
+            </a:ext>
+          </a:extLst>
         </p:spPr>
-        <p:txBody>
-          <a:bodyPr wrap="square">
-            <a:spAutoFit/>
-          </a:bodyPr>
-          <a:lstStyle/>
-          <a:p>
-            <a:r>
-              <a:rPr lang="en-US" sz="2400" b="1" dirty="0"/>
-              <a:t>Company We should invest on date 2021-01-02 and time 15:30:00 is SRF with profit of 0.02635884097253438</a:t>
-            </a:r>
-            <a:endParaRPr lang="en-IN" sz="2400" b="1" dirty="0"/>
-          </a:p>
-        </p:txBody>
-      </p:sp>
+      </p:pic>
     </p:spTree>
     <p:extLst>
       <p:ext uri="{BB962C8B-B14F-4D97-AF65-F5344CB8AC3E}">
-        <p14:creationId xmlns:p14="http://schemas.microsoft.com/office/powerpoint/2010/main" val="1215450262"/>
+        <p14:creationId xmlns:p14="http://schemas.microsoft.com/office/powerpoint/2010/main" val="1969348854"/>
       </p:ext>
     </p:extLst>
   </p:cSld>
@@ -33910,7 +34022,7 @@
         </p:nvSpPr>
         <p:spPr>
           <a:xfrm>
-            <a:off x="1052451" y="1679826"/>
+            <a:off x="1062725" y="981183"/>
             <a:ext cx="6539688" cy="1325563"/>
           </a:xfrm>
         </p:spPr>
@@ -33920,7 +34032,7 @@
           <a:p>
             <a:r>
               <a:rPr lang="en-US" dirty="0"/>
-              <a:t>Best Company to put stock for a date</a:t>
+              <a:t>Predictions VS Actual Data</a:t>
             </a:r>
           </a:p>
         </p:txBody>
@@ -34208,6 +34320,399 @@
           </a:p>
         </p:txBody>
       </p:sp>
+      <p:pic>
+        <p:nvPicPr>
+          <p:cNvPr id="14338" name="Picture 2">
+            <a:extLst>
+              <a:ext uri="{FF2B5EF4-FFF2-40B4-BE49-F238E27FC236}">
+                <a16:creationId xmlns:a16="http://schemas.microsoft.com/office/drawing/2014/main" id="{CB4493EF-86D0-9D02-8CA9-B8D5CF88072C}"/>
+              </a:ext>
+            </a:extLst>
+          </p:cNvPr>
+          <p:cNvPicPr>
+            <a:picLocks noChangeAspect="1" noChangeArrowheads="1"/>
+          </p:cNvPicPr>
+          <p:nvPr/>
+        </p:nvPicPr>
+        <p:blipFill>
+          <a:blip r:embed="rId4">
+            <a:extLst>
+              <a:ext uri="{28A0092B-C50C-407E-A947-70E740481C1C}">
+                <a14:useLocalDpi xmlns:a14="http://schemas.microsoft.com/office/drawing/2010/main" val="0"/>
+              </a:ext>
+            </a:extLst>
+          </a:blip>
+          <a:srcRect/>
+          <a:stretch>
+            <a:fillRect/>
+          </a:stretch>
+        </p:blipFill>
+        <p:spPr bwMode="auto">
+          <a:xfrm>
+            <a:off x="1660806" y="2470042"/>
+            <a:ext cx="5343525" cy="4162425"/>
+          </a:xfrm>
+          <a:prstGeom prst="rect">
+            <a:avLst/>
+          </a:prstGeom>
+          <a:noFill/>
+          <a:extLst>
+            <a:ext uri="{909E8E84-426E-40DD-AFC4-6F175D3DCCD1}">
+              <a14:hiddenFill xmlns:a14="http://schemas.microsoft.com/office/drawing/2010/main">
+                <a:solidFill>
+                  <a:srgbClr val="FFFFFF"/>
+                </a:solidFill>
+              </a14:hiddenFill>
+            </a:ext>
+          </a:extLst>
+        </p:spPr>
+      </p:pic>
+    </p:spTree>
+    <p:extLst>
+      <p:ext uri="{BB962C8B-B14F-4D97-AF65-F5344CB8AC3E}">
+        <p14:creationId xmlns:p14="http://schemas.microsoft.com/office/powerpoint/2010/main" val="253889818"/>
+      </p:ext>
+    </p:extLst>
+  </p:cSld>
+  <p:clrMapOvr>
+    <a:masterClrMapping/>
+  </p:clrMapOvr>
+</p:sld>
+</file>
+
+<file path=ppt/slides/slide36.xml><?xml version="1.0" encoding="utf-8"?>
+<p:sld xmlns:a="http://schemas.openxmlformats.org/drawingml/2006/main" xmlns:r="http://schemas.openxmlformats.org/officeDocument/2006/relationships" xmlns:p="http://schemas.openxmlformats.org/presentationml/2006/main">
+  <p:cSld>
+    <p:spTree>
+      <p:nvGrpSpPr>
+        <p:cNvPr id="1" name=""/>
+        <p:cNvGrpSpPr/>
+        <p:nvPr/>
+      </p:nvGrpSpPr>
+      <p:grpSpPr>
+        <a:xfrm>
+          <a:off x="0" y="0"/>
+          <a:ext cx="0" cy="0"/>
+          <a:chOff x="0" y="0"/>
+          <a:chExt cx="0" cy="0"/>
+        </a:xfrm>
+      </p:grpSpPr>
+      <p:sp>
+        <p:nvSpPr>
+          <p:cNvPr id="2" name="Title 1">
+            <a:extLst>
+              <a:ext uri="{FF2B5EF4-FFF2-40B4-BE49-F238E27FC236}">
+                <a16:creationId xmlns:a16="http://schemas.microsoft.com/office/drawing/2014/main" id="{19256B7E-1633-44AB-8584-82DF5B726834}"/>
+              </a:ext>
+            </a:extLst>
+          </p:cNvPr>
+          <p:cNvSpPr>
+            <a:spLocks noGrp="1"/>
+          </p:cNvSpPr>
+          <p:nvPr>
+            <p:ph type="title"/>
+          </p:nvPr>
+        </p:nvSpPr>
+        <p:spPr>
+          <a:xfrm>
+            <a:off x="1052451" y="1679826"/>
+            <a:ext cx="6539688" cy="1325563"/>
+          </a:xfrm>
+        </p:spPr>
+        <p:txBody>
+          <a:bodyPr/>
+          <a:lstStyle/>
+          <a:p>
+            <a:r>
+              <a:rPr lang="en-US" dirty="0"/>
+              <a:t>Best Company to put stock for a date and time</a:t>
+            </a:r>
+          </a:p>
+        </p:txBody>
+      </p:sp>
+      <p:sp>
+        <p:nvSpPr>
+          <p:cNvPr id="9" name="Slide Number Placeholder 8">
+            <a:extLst>
+              <a:ext uri="{FF2B5EF4-FFF2-40B4-BE49-F238E27FC236}">
+                <a16:creationId xmlns:a16="http://schemas.microsoft.com/office/drawing/2014/main" id="{6FD448B0-743E-0045-8131-69B4EEC58365}"/>
+              </a:ext>
+            </a:extLst>
+          </p:cNvPr>
+          <p:cNvSpPr>
+            <a:spLocks noGrp="1"/>
+          </p:cNvSpPr>
+          <p:nvPr>
+            <p:ph type="sldNum" sz="quarter" idx="4"/>
+          </p:nvPr>
+        </p:nvSpPr>
+        <p:spPr>
+          <a:xfrm>
+            <a:off x="10153276" y="6356350"/>
+            <a:ext cx="1657723" cy="365125"/>
+          </a:xfrm>
+        </p:spPr>
+        <p:txBody>
+          <a:bodyPr/>
+          <a:lstStyle/>
+          <a:p>
+            <a:fld id="{294A09A9-5501-47C1-A89A-A340965A2BE2}" type="slidenum">
+              <a:rPr lang="en-US" smtClean="0"/>
+              <a:pPr/>
+              <a:t>36</a:t>
+            </a:fld>
+            <a:endParaRPr lang="en-US" dirty="0"/>
+          </a:p>
+        </p:txBody>
+      </p:sp>
+      <p:pic>
+        <p:nvPicPr>
+          <p:cNvPr id="1026" name="Picture 2" descr="Database PNGs for Free Download">
+            <a:extLst>
+              <a:ext uri="{FF2B5EF4-FFF2-40B4-BE49-F238E27FC236}">
+                <a16:creationId xmlns:a16="http://schemas.microsoft.com/office/drawing/2014/main" id="{9E995C70-D0BA-B079-9221-2B77F385250A}"/>
+              </a:ext>
+            </a:extLst>
+          </p:cNvPr>
+          <p:cNvPicPr>
+            <a:picLocks noChangeAspect="1" noChangeArrowheads="1"/>
+          </p:cNvPicPr>
+          <p:nvPr/>
+        </p:nvPicPr>
+        <p:blipFill>
+          <a:blip r:embed="rId3">
+            <a:extLst>
+              <a:ext uri="{28A0092B-C50C-407E-A947-70E740481C1C}">
+                <a14:useLocalDpi xmlns:a14="http://schemas.microsoft.com/office/drawing/2010/main" val="0"/>
+              </a:ext>
+            </a:extLst>
+          </a:blip>
+          <a:srcRect/>
+          <a:stretch>
+            <a:fillRect/>
+          </a:stretch>
+        </p:blipFill>
+        <p:spPr bwMode="auto">
+          <a:xfrm>
+            <a:off x="8476180" y="2018528"/>
+            <a:ext cx="3044088" cy="2435270"/>
+          </a:xfrm>
+          <a:prstGeom prst="rect">
+            <a:avLst/>
+          </a:prstGeom>
+          <a:noFill/>
+          <a:extLst>
+            <a:ext uri="{909E8E84-426E-40DD-AFC4-6F175D3DCCD1}">
+              <a14:hiddenFill xmlns:a14="http://schemas.microsoft.com/office/drawing/2010/main">
+                <a:solidFill>
+                  <a:srgbClr val="FFFFFF"/>
+                </a:solidFill>
+              </a14:hiddenFill>
+            </a:ext>
+          </a:extLst>
+        </p:spPr>
+      </p:pic>
+      <p:sp>
+        <p:nvSpPr>
+          <p:cNvPr id="8" name="Content Placeholder 3">
+            <a:extLst>
+              <a:ext uri="{FF2B5EF4-FFF2-40B4-BE49-F238E27FC236}">
+                <a16:creationId xmlns:a16="http://schemas.microsoft.com/office/drawing/2014/main" id="{CAC5FA9F-2A3C-78C2-6F12-8E4D2D34B9C6}"/>
+              </a:ext>
+            </a:extLst>
+          </p:cNvPr>
+          <p:cNvSpPr txBox="1">
+            <a:spLocks/>
+          </p:cNvSpPr>
+          <p:nvPr/>
+        </p:nvSpPr>
+        <p:spPr>
+          <a:xfrm>
+            <a:off x="4736686" y="2014692"/>
+            <a:ext cx="3448394" cy="3862125"/>
+          </a:xfrm>
+          <a:prstGeom prst="rect">
+            <a:avLst/>
+          </a:prstGeom>
+        </p:spPr>
+        <p:txBody>
+          <a:bodyPr vert="horz" lIns="91440" tIns="45720" rIns="91440" bIns="45720" rtlCol="0" anchor="t">
+            <a:normAutofit/>
+          </a:bodyPr>
+          <a:lstStyle>
+            <a:lvl1pPr marL="0" indent="0" algn="l" defTabSz="914400" rtl="0" eaLnBrk="1" latinLnBrk="0" hangingPunct="1">
+              <a:lnSpc>
+                <a:spcPct val="90000"/>
+              </a:lnSpc>
+              <a:spcBef>
+                <a:spcPts val="1000"/>
+              </a:spcBef>
+              <a:buFont typeface="Arial" panose="020B0604020202020204" pitchFamily="34" charset="0"/>
+              <a:buNone/>
+              <a:defRPr sz="2000" kern="1200">
+                <a:solidFill>
+                  <a:schemeClr val="tx1"/>
+                </a:solidFill>
+                <a:latin typeface="+mn-lt"/>
+                <a:ea typeface="+mn-ea"/>
+                <a:cs typeface="+mn-cs"/>
+              </a:defRPr>
+            </a:lvl1pPr>
+            <a:lvl2pPr marL="457200" indent="0" algn="l" defTabSz="914400" rtl="0" eaLnBrk="1" latinLnBrk="0" hangingPunct="1">
+              <a:lnSpc>
+                <a:spcPct val="90000"/>
+              </a:lnSpc>
+              <a:spcBef>
+                <a:spcPts val="500"/>
+              </a:spcBef>
+              <a:buFont typeface="Arial" panose="020B0604020202020204" pitchFamily="34" charset="0"/>
+              <a:buNone/>
+              <a:defRPr sz="1800" kern="1200">
+                <a:solidFill>
+                  <a:schemeClr val="tx1"/>
+                </a:solidFill>
+                <a:latin typeface="+mn-lt"/>
+                <a:ea typeface="+mn-ea"/>
+                <a:cs typeface="+mn-cs"/>
+              </a:defRPr>
+            </a:lvl2pPr>
+            <a:lvl3pPr marL="914400" indent="0" algn="l" defTabSz="914400" rtl="0" eaLnBrk="1" latinLnBrk="0" hangingPunct="1">
+              <a:lnSpc>
+                <a:spcPct val="90000"/>
+              </a:lnSpc>
+              <a:spcBef>
+                <a:spcPts val="500"/>
+              </a:spcBef>
+              <a:buFont typeface="Arial" panose="020B0604020202020204" pitchFamily="34" charset="0"/>
+              <a:buNone/>
+              <a:defRPr sz="1600" kern="1200">
+                <a:solidFill>
+                  <a:schemeClr val="tx1"/>
+                </a:solidFill>
+                <a:latin typeface="+mn-lt"/>
+                <a:ea typeface="+mn-ea"/>
+                <a:cs typeface="+mn-cs"/>
+              </a:defRPr>
+            </a:lvl3pPr>
+            <a:lvl4pPr marL="1371600" indent="0" algn="l" defTabSz="914400" rtl="0" eaLnBrk="1" latinLnBrk="0" hangingPunct="1">
+              <a:lnSpc>
+                <a:spcPct val="90000"/>
+              </a:lnSpc>
+              <a:spcBef>
+                <a:spcPts val="500"/>
+              </a:spcBef>
+              <a:buFont typeface="Arial" panose="020B0604020202020204" pitchFamily="34" charset="0"/>
+              <a:buNone/>
+              <a:defRPr sz="1400" kern="1200">
+                <a:solidFill>
+                  <a:schemeClr val="tx1"/>
+                </a:solidFill>
+                <a:latin typeface="+mn-lt"/>
+                <a:ea typeface="+mn-ea"/>
+                <a:cs typeface="+mn-cs"/>
+              </a:defRPr>
+            </a:lvl4pPr>
+            <a:lvl5pPr marL="1828800" indent="0" algn="l" defTabSz="914400" rtl="0" eaLnBrk="1" latinLnBrk="0" hangingPunct="1">
+              <a:lnSpc>
+                <a:spcPct val="90000"/>
+              </a:lnSpc>
+              <a:spcBef>
+                <a:spcPts val="500"/>
+              </a:spcBef>
+              <a:buFont typeface="Arial" panose="020B0604020202020204" pitchFamily="34" charset="0"/>
+              <a:buNone/>
+              <a:defRPr sz="1400" kern="1200">
+                <a:solidFill>
+                  <a:schemeClr val="tx1"/>
+                </a:solidFill>
+                <a:latin typeface="+mn-lt"/>
+                <a:ea typeface="+mn-ea"/>
+                <a:cs typeface="+mn-cs"/>
+              </a:defRPr>
+            </a:lvl5pPr>
+            <a:lvl6pPr marL="2514600" indent="-228600" algn="l" defTabSz="914400" rtl="0" eaLnBrk="1" latinLnBrk="0" hangingPunct="1">
+              <a:lnSpc>
+                <a:spcPct val="90000"/>
+              </a:lnSpc>
+              <a:spcBef>
+                <a:spcPts val="500"/>
+              </a:spcBef>
+              <a:buFont typeface="Arial" panose="020B0604020202020204" pitchFamily="34" charset="0"/>
+              <a:buChar char="•"/>
+              <a:defRPr sz="1800" kern="1200">
+                <a:solidFill>
+                  <a:schemeClr val="tx1"/>
+                </a:solidFill>
+                <a:latin typeface="+mn-lt"/>
+                <a:ea typeface="+mn-ea"/>
+                <a:cs typeface="+mn-cs"/>
+              </a:defRPr>
+            </a:lvl6pPr>
+            <a:lvl7pPr marL="2971800" indent="-228600" algn="l" defTabSz="914400" rtl="0" eaLnBrk="1" latinLnBrk="0" hangingPunct="1">
+              <a:lnSpc>
+                <a:spcPct val="90000"/>
+              </a:lnSpc>
+              <a:spcBef>
+                <a:spcPts val="500"/>
+              </a:spcBef>
+              <a:buFont typeface="Arial" panose="020B0604020202020204" pitchFamily="34" charset="0"/>
+              <a:buChar char="•"/>
+              <a:defRPr sz="1800" kern="1200">
+                <a:solidFill>
+                  <a:schemeClr val="tx1"/>
+                </a:solidFill>
+                <a:latin typeface="+mn-lt"/>
+                <a:ea typeface="+mn-ea"/>
+                <a:cs typeface="+mn-cs"/>
+              </a:defRPr>
+            </a:lvl7pPr>
+            <a:lvl8pPr marL="3429000" indent="-228600" algn="l" defTabSz="914400" rtl="0" eaLnBrk="1" latinLnBrk="0" hangingPunct="1">
+              <a:lnSpc>
+                <a:spcPct val="90000"/>
+              </a:lnSpc>
+              <a:spcBef>
+                <a:spcPts val="500"/>
+              </a:spcBef>
+              <a:buFont typeface="Arial" panose="020B0604020202020204" pitchFamily="34" charset="0"/>
+              <a:buChar char="•"/>
+              <a:defRPr sz="1800" kern="1200">
+                <a:solidFill>
+                  <a:schemeClr val="tx1"/>
+                </a:solidFill>
+                <a:latin typeface="+mn-lt"/>
+                <a:ea typeface="+mn-ea"/>
+                <a:cs typeface="+mn-cs"/>
+              </a:defRPr>
+            </a:lvl8pPr>
+            <a:lvl9pPr marL="3886200" indent="-228600" algn="l" defTabSz="914400" rtl="0" eaLnBrk="1" latinLnBrk="0" hangingPunct="1">
+              <a:lnSpc>
+                <a:spcPct val="90000"/>
+              </a:lnSpc>
+              <a:spcBef>
+                <a:spcPts val="500"/>
+              </a:spcBef>
+              <a:buFont typeface="Arial" panose="020B0604020202020204" pitchFamily="34" charset="0"/>
+              <a:buChar char="•"/>
+              <a:defRPr sz="1800" kern="1200">
+                <a:solidFill>
+                  <a:schemeClr val="tx1"/>
+                </a:solidFill>
+                <a:latin typeface="+mn-lt"/>
+                <a:ea typeface="+mn-ea"/>
+                <a:cs typeface="+mn-cs"/>
+              </a:defRPr>
+            </a:lvl9pPr>
+          </a:lstStyle>
+          <a:p>
+            <a:pPr>
+              <a:spcBef>
+                <a:spcPts val="0"/>
+              </a:spcBef>
+            </a:pPr>
+            <a:endParaRPr lang="en-US" sz="2400" dirty="0"/>
+          </a:p>
+        </p:txBody>
+      </p:sp>
       <p:sp>
         <p:nvSpPr>
           <p:cNvPr id="4" name="TextBox 3">
@@ -34238,6 +34743,388 @@
           <a:p>
             <a:r>
               <a:rPr lang="en-US" sz="2400" b="1" dirty="0"/>
+              <a:t>Company We should invest on date 2021-01-02 and time 15:30:00 is SRF with profit of 0.02635884097253438</a:t>
+            </a:r>
+            <a:endParaRPr lang="en-IN" sz="2400" b="1" dirty="0"/>
+          </a:p>
+        </p:txBody>
+      </p:sp>
+    </p:spTree>
+    <p:extLst>
+      <p:ext uri="{BB962C8B-B14F-4D97-AF65-F5344CB8AC3E}">
+        <p14:creationId xmlns:p14="http://schemas.microsoft.com/office/powerpoint/2010/main" val="1215450262"/>
+      </p:ext>
+    </p:extLst>
+  </p:cSld>
+  <p:clrMapOvr>
+    <a:masterClrMapping/>
+  </p:clrMapOvr>
+</p:sld>
+</file>
+
+<file path=ppt/slides/slide37.xml><?xml version="1.0" encoding="utf-8"?>
+<p:sld xmlns:a="http://schemas.openxmlformats.org/drawingml/2006/main" xmlns:r="http://schemas.openxmlformats.org/officeDocument/2006/relationships" xmlns:p="http://schemas.openxmlformats.org/presentationml/2006/main">
+  <p:cSld>
+    <p:spTree>
+      <p:nvGrpSpPr>
+        <p:cNvPr id="1" name=""/>
+        <p:cNvGrpSpPr/>
+        <p:nvPr/>
+      </p:nvGrpSpPr>
+      <p:grpSpPr>
+        <a:xfrm>
+          <a:off x="0" y="0"/>
+          <a:ext cx="0" cy="0"/>
+          <a:chOff x="0" y="0"/>
+          <a:chExt cx="0" cy="0"/>
+        </a:xfrm>
+      </p:grpSpPr>
+      <p:sp>
+        <p:nvSpPr>
+          <p:cNvPr id="2" name="Title 1">
+            <a:extLst>
+              <a:ext uri="{FF2B5EF4-FFF2-40B4-BE49-F238E27FC236}">
+                <a16:creationId xmlns:a16="http://schemas.microsoft.com/office/drawing/2014/main" id="{19256B7E-1633-44AB-8584-82DF5B726834}"/>
+              </a:ext>
+            </a:extLst>
+          </p:cNvPr>
+          <p:cNvSpPr>
+            <a:spLocks noGrp="1"/>
+          </p:cNvSpPr>
+          <p:nvPr>
+            <p:ph type="title"/>
+          </p:nvPr>
+        </p:nvSpPr>
+        <p:spPr>
+          <a:xfrm>
+            <a:off x="1052451" y="1679826"/>
+            <a:ext cx="6539688" cy="1325563"/>
+          </a:xfrm>
+        </p:spPr>
+        <p:txBody>
+          <a:bodyPr/>
+          <a:lstStyle/>
+          <a:p>
+            <a:r>
+              <a:rPr lang="en-US" dirty="0"/>
+              <a:t>Best Company to put stock for a date</a:t>
+            </a:r>
+          </a:p>
+        </p:txBody>
+      </p:sp>
+      <p:sp>
+        <p:nvSpPr>
+          <p:cNvPr id="9" name="Slide Number Placeholder 8">
+            <a:extLst>
+              <a:ext uri="{FF2B5EF4-FFF2-40B4-BE49-F238E27FC236}">
+                <a16:creationId xmlns:a16="http://schemas.microsoft.com/office/drawing/2014/main" id="{6FD448B0-743E-0045-8131-69B4EEC58365}"/>
+              </a:ext>
+            </a:extLst>
+          </p:cNvPr>
+          <p:cNvSpPr>
+            <a:spLocks noGrp="1"/>
+          </p:cNvSpPr>
+          <p:nvPr>
+            <p:ph type="sldNum" sz="quarter" idx="4"/>
+          </p:nvPr>
+        </p:nvSpPr>
+        <p:spPr>
+          <a:xfrm>
+            <a:off x="10153276" y="6356350"/>
+            <a:ext cx="1657723" cy="365125"/>
+          </a:xfrm>
+        </p:spPr>
+        <p:txBody>
+          <a:bodyPr/>
+          <a:lstStyle/>
+          <a:p>
+            <a:fld id="{294A09A9-5501-47C1-A89A-A340965A2BE2}" type="slidenum">
+              <a:rPr lang="en-US" smtClean="0"/>
+              <a:pPr/>
+              <a:t>37</a:t>
+            </a:fld>
+            <a:endParaRPr lang="en-US" dirty="0"/>
+          </a:p>
+        </p:txBody>
+      </p:sp>
+      <p:pic>
+        <p:nvPicPr>
+          <p:cNvPr id="1026" name="Picture 2" descr="Database PNGs for Free Download">
+            <a:extLst>
+              <a:ext uri="{FF2B5EF4-FFF2-40B4-BE49-F238E27FC236}">
+                <a16:creationId xmlns:a16="http://schemas.microsoft.com/office/drawing/2014/main" id="{9E995C70-D0BA-B079-9221-2B77F385250A}"/>
+              </a:ext>
+            </a:extLst>
+          </p:cNvPr>
+          <p:cNvPicPr>
+            <a:picLocks noChangeAspect="1" noChangeArrowheads="1"/>
+          </p:cNvPicPr>
+          <p:nvPr/>
+        </p:nvPicPr>
+        <p:blipFill>
+          <a:blip r:embed="rId3">
+            <a:extLst>
+              <a:ext uri="{28A0092B-C50C-407E-A947-70E740481C1C}">
+                <a14:useLocalDpi xmlns:a14="http://schemas.microsoft.com/office/drawing/2010/main" val="0"/>
+              </a:ext>
+            </a:extLst>
+          </a:blip>
+          <a:srcRect/>
+          <a:stretch>
+            <a:fillRect/>
+          </a:stretch>
+        </p:blipFill>
+        <p:spPr bwMode="auto">
+          <a:xfrm>
+            <a:off x="8476180" y="2018528"/>
+            <a:ext cx="3044088" cy="2435270"/>
+          </a:xfrm>
+          <a:prstGeom prst="rect">
+            <a:avLst/>
+          </a:prstGeom>
+          <a:noFill/>
+          <a:extLst>
+            <a:ext uri="{909E8E84-426E-40DD-AFC4-6F175D3DCCD1}">
+              <a14:hiddenFill xmlns:a14="http://schemas.microsoft.com/office/drawing/2010/main">
+                <a:solidFill>
+                  <a:srgbClr val="FFFFFF"/>
+                </a:solidFill>
+              </a14:hiddenFill>
+            </a:ext>
+          </a:extLst>
+        </p:spPr>
+      </p:pic>
+      <p:sp>
+        <p:nvSpPr>
+          <p:cNvPr id="8" name="Content Placeholder 3">
+            <a:extLst>
+              <a:ext uri="{FF2B5EF4-FFF2-40B4-BE49-F238E27FC236}">
+                <a16:creationId xmlns:a16="http://schemas.microsoft.com/office/drawing/2014/main" id="{CAC5FA9F-2A3C-78C2-6F12-8E4D2D34B9C6}"/>
+              </a:ext>
+            </a:extLst>
+          </p:cNvPr>
+          <p:cNvSpPr txBox="1">
+            <a:spLocks/>
+          </p:cNvSpPr>
+          <p:nvPr/>
+        </p:nvSpPr>
+        <p:spPr>
+          <a:xfrm>
+            <a:off x="4736686" y="2014692"/>
+            <a:ext cx="3448394" cy="3862125"/>
+          </a:xfrm>
+          <a:prstGeom prst="rect">
+            <a:avLst/>
+          </a:prstGeom>
+        </p:spPr>
+        <p:txBody>
+          <a:bodyPr vert="horz" lIns="91440" tIns="45720" rIns="91440" bIns="45720" rtlCol="0" anchor="t">
+            <a:normAutofit/>
+          </a:bodyPr>
+          <a:lstStyle>
+            <a:lvl1pPr marL="0" indent="0" algn="l" defTabSz="914400" rtl="0" eaLnBrk="1" latinLnBrk="0" hangingPunct="1">
+              <a:lnSpc>
+                <a:spcPct val="90000"/>
+              </a:lnSpc>
+              <a:spcBef>
+                <a:spcPts val="1000"/>
+              </a:spcBef>
+              <a:buFont typeface="Arial" panose="020B0604020202020204" pitchFamily="34" charset="0"/>
+              <a:buNone/>
+              <a:defRPr sz="2000" kern="1200">
+                <a:solidFill>
+                  <a:schemeClr val="tx1"/>
+                </a:solidFill>
+                <a:latin typeface="+mn-lt"/>
+                <a:ea typeface="+mn-ea"/>
+                <a:cs typeface="+mn-cs"/>
+              </a:defRPr>
+            </a:lvl1pPr>
+            <a:lvl2pPr marL="457200" indent="0" algn="l" defTabSz="914400" rtl="0" eaLnBrk="1" latinLnBrk="0" hangingPunct="1">
+              <a:lnSpc>
+                <a:spcPct val="90000"/>
+              </a:lnSpc>
+              <a:spcBef>
+                <a:spcPts val="500"/>
+              </a:spcBef>
+              <a:buFont typeface="Arial" panose="020B0604020202020204" pitchFamily="34" charset="0"/>
+              <a:buNone/>
+              <a:defRPr sz="1800" kern="1200">
+                <a:solidFill>
+                  <a:schemeClr val="tx1"/>
+                </a:solidFill>
+                <a:latin typeface="+mn-lt"/>
+                <a:ea typeface="+mn-ea"/>
+                <a:cs typeface="+mn-cs"/>
+              </a:defRPr>
+            </a:lvl2pPr>
+            <a:lvl3pPr marL="914400" indent="0" algn="l" defTabSz="914400" rtl="0" eaLnBrk="1" latinLnBrk="0" hangingPunct="1">
+              <a:lnSpc>
+                <a:spcPct val="90000"/>
+              </a:lnSpc>
+              <a:spcBef>
+                <a:spcPts val="500"/>
+              </a:spcBef>
+              <a:buFont typeface="Arial" panose="020B0604020202020204" pitchFamily="34" charset="0"/>
+              <a:buNone/>
+              <a:defRPr sz="1600" kern="1200">
+                <a:solidFill>
+                  <a:schemeClr val="tx1"/>
+                </a:solidFill>
+                <a:latin typeface="+mn-lt"/>
+                <a:ea typeface="+mn-ea"/>
+                <a:cs typeface="+mn-cs"/>
+              </a:defRPr>
+            </a:lvl3pPr>
+            <a:lvl4pPr marL="1371600" indent="0" algn="l" defTabSz="914400" rtl="0" eaLnBrk="1" latinLnBrk="0" hangingPunct="1">
+              <a:lnSpc>
+                <a:spcPct val="90000"/>
+              </a:lnSpc>
+              <a:spcBef>
+                <a:spcPts val="500"/>
+              </a:spcBef>
+              <a:buFont typeface="Arial" panose="020B0604020202020204" pitchFamily="34" charset="0"/>
+              <a:buNone/>
+              <a:defRPr sz="1400" kern="1200">
+                <a:solidFill>
+                  <a:schemeClr val="tx1"/>
+                </a:solidFill>
+                <a:latin typeface="+mn-lt"/>
+                <a:ea typeface="+mn-ea"/>
+                <a:cs typeface="+mn-cs"/>
+              </a:defRPr>
+            </a:lvl4pPr>
+            <a:lvl5pPr marL="1828800" indent="0" algn="l" defTabSz="914400" rtl="0" eaLnBrk="1" latinLnBrk="0" hangingPunct="1">
+              <a:lnSpc>
+                <a:spcPct val="90000"/>
+              </a:lnSpc>
+              <a:spcBef>
+                <a:spcPts val="500"/>
+              </a:spcBef>
+              <a:buFont typeface="Arial" panose="020B0604020202020204" pitchFamily="34" charset="0"/>
+              <a:buNone/>
+              <a:defRPr sz="1400" kern="1200">
+                <a:solidFill>
+                  <a:schemeClr val="tx1"/>
+                </a:solidFill>
+                <a:latin typeface="+mn-lt"/>
+                <a:ea typeface="+mn-ea"/>
+                <a:cs typeface="+mn-cs"/>
+              </a:defRPr>
+            </a:lvl5pPr>
+            <a:lvl6pPr marL="2514600" indent="-228600" algn="l" defTabSz="914400" rtl="0" eaLnBrk="1" latinLnBrk="0" hangingPunct="1">
+              <a:lnSpc>
+                <a:spcPct val="90000"/>
+              </a:lnSpc>
+              <a:spcBef>
+                <a:spcPts val="500"/>
+              </a:spcBef>
+              <a:buFont typeface="Arial" panose="020B0604020202020204" pitchFamily="34" charset="0"/>
+              <a:buChar char="•"/>
+              <a:defRPr sz="1800" kern="1200">
+                <a:solidFill>
+                  <a:schemeClr val="tx1"/>
+                </a:solidFill>
+                <a:latin typeface="+mn-lt"/>
+                <a:ea typeface="+mn-ea"/>
+                <a:cs typeface="+mn-cs"/>
+              </a:defRPr>
+            </a:lvl6pPr>
+            <a:lvl7pPr marL="2971800" indent="-228600" algn="l" defTabSz="914400" rtl="0" eaLnBrk="1" latinLnBrk="0" hangingPunct="1">
+              <a:lnSpc>
+                <a:spcPct val="90000"/>
+              </a:lnSpc>
+              <a:spcBef>
+                <a:spcPts val="500"/>
+              </a:spcBef>
+              <a:buFont typeface="Arial" panose="020B0604020202020204" pitchFamily="34" charset="0"/>
+              <a:buChar char="•"/>
+              <a:defRPr sz="1800" kern="1200">
+                <a:solidFill>
+                  <a:schemeClr val="tx1"/>
+                </a:solidFill>
+                <a:latin typeface="+mn-lt"/>
+                <a:ea typeface="+mn-ea"/>
+                <a:cs typeface="+mn-cs"/>
+              </a:defRPr>
+            </a:lvl7pPr>
+            <a:lvl8pPr marL="3429000" indent="-228600" algn="l" defTabSz="914400" rtl="0" eaLnBrk="1" latinLnBrk="0" hangingPunct="1">
+              <a:lnSpc>
+                <a:spcPct val="90000"/>
+              </a:lnSpc>
+              <a:spcBef>
+                <a:spcPts val="500"/>
+              </a:spcBef>
+              <a:buFont typeface="Arial" panose="020B0604020202020204" pitchFamily="34" charset="0"/>
+              <a:buChar char="•"/>
+              <a:defRPr sz="1800" kern="1200">
+                <a:solidFill>
+                  <a:schemeClr val="tx1"/>
+                </a:solidFill>
+                <a:latin typeface="+mn-lt"/>
+                <a:ea typeface="+mn-ea"/>
+                <a:cs typeface="+mn-cs"/>
+              </a:defRPr>
+            </a:lvl8pPr>
+            <a:lvl9pPr marL="3886200" indent="-228600" algn="l" defTabSz="914400" rtl="0" eaLnBrk="1" latinLnBrk="0" hangingPunct="1">
+              <a:lnSpc>
+                <a:spcPct val="90000"/>
+              </a:lnSpc>
+              <a:spcBef>
+                <a:spcPts val="500"/>
+              </a:spcBef>
+              <a:buFont typeface="Arial" panose="020B0604020202020204" pitchFamily="34" charset="0"/>
+              <a:buChar char="•"/>
+              <a:defRPr sz="1800" kern="1200">
+                <a:solidFill>
+                  <a:schemeClr val="tx1"/>
+                </a:solidFill>
+                <a:latin typeface="+mn-lt"/>
+                <a:ea typeface="+mn-ea"/>
+                <a:cs typeface="+mn-cs"/>
+              </a:defRPr>
+            </a:lvl9pPr>
+          </a:lstStyle>
+          <a:p>
+            <a:pPr>
+              <a:spcBef>
+                <a:spcPts val="0"/>
+              </a:spcBef>
+            </a:pPr>
+            <a:endParaRPr lang="en-US" sz="2400" dirty="0"/>
+          </a:p>
+        </p:txBody>
+      </p:sp>
+      <p:sp>
+        <p:nvSpPr>
+          <p:cNvPr id="4" name="TextBox 3">
+            <a:extLst>
+              <a:ext uri="{FF2B5EF4-FFF2-40B4-BE49-F238E27FC236}">
+                <a16:creationId xmlns:a16="http://schemas.microsoft.com/office/drawing/2014/main" id="{3BEF1D88-1DC6-A2D2-447A-BAF405748BD2}"/>
+              </a:ext>
+            </a:extLst>
+          </p:cNvPr>
+          <p:cNvSpPr txBox="1"/>
+          <p:nvPr/>
+        </p:nvSpPr>
+        <p:spPr>
+          <a:xfrm>
+            <a:off x="1052451" y="3622588"/>
+            <a:ext cx="6097712" cy="1200329"/>
+          </a:xfrm>
+          <a:prstGeom prst="rect">
+            <a:avLst/>
+          </a:prstGeom>
+          <a:noFill/>
+        </p:spPr>
+        <p:txBody>
+          <a:bodyPr wrap="square">
+            <a:spAutoFit/>
+          </a:bodyPr>
+          <a:lstStyle/>
+          <a:p>
+            <a:r>
+              <a:rPr lang="en-US" sz="2400" b="1" dirty="0"/>
               <a:t>Company We should invest on date 2023-07-20 is NESTLEIND with profit of 2.097678437919967</a:t>
             </a:r>
           </a:p>
@@ -34256,7 +35143,7 @@
 </p:sld>
 </file>
 
-<file path=ppt/slides/slide36.xml><?xml version="1.0" encoding="utf-8"?>
+<file path=ppt/slides/slide38.xml><?xml version="1.0" encoding="utf-8"?>
 <p:sld xmlns:a="http://schemas.openxmlformats.org/drawingml/2006/main" xmlns:r="http://schemas.openxmlformats.org/officeDocument/2006/relationships" xmlns:p="http://schemas.openxmlformats.org/presentationml/2006/main">
   <p:cSld>
     <p:spTree>
@@ -35829,6 +36716,15 @@
 </file>
 
 <file path=customXml/item1.xml><?xml version="1.0" encoding="utf-8"?>
+<?mso-contentType ?>
+<FormTemplates xmlns="http://schemas.microsoft.com/sharepoint/v3/contenttype/forms">
+  <Display>DocumentLibraryForm</Display>
+  <Edit>DocumentLibraryForm</Edit>
+  <New>DocumentLibraryForm</New>
+</FormTemplates>
+</file>
+
+<file path=customXml/item2.xml><?xml version="1.0" encoding="utf-8"?>
 <ct:contentTypeSchema xmlns:ct="http://schemas.microsoft.com/office/2006/metadata/contentType" xmlns:ma="http://schemas.microsoft.com/office/2006/metadata/properties/metaAttributes" ct:_="" ma:_="" ma:contentTypeName="Document" ma:contentTypeID="0x01010079F111ED35F8CC479449609E8A0923A6" ma:contentTypeVersion="21" ma:contentTypeDescription="Create a new document." ma:contentTypeScope="" ma:versionID="64dfb1555687e0874b4304b796b5b0c7">
   <xsd:schema xmlns:xsd="http://www.w3.org/2001/XMLSchema" xmlns:xs="http://www.w3.org/2001/XMLSchema" xmlns:p="http://schemas.microsoft.com/office/2006/metadata/properties" xmlns:ns1="http://schemas.microsoft.com/sharepoint/v3" xmlns:ns2="71af3243-3dd4-4a8d-8c0d-dd76da1f02a5" xmlns:ns3="16c05727-aa75-4e4a-9b5f-8a80a1165891" xmlns:ns4="230e9df3-be65-4c73-a93b-d1236ebd677e" targetNamespace="http://schemas.microsoft.com/office/2006/metadata/properties" ma:root="true" ma:fieldsID="e6e4c555b5e194d05b7203de9c4567b3" ns1:_="" ns2:_="" ns3:_="" ns4:_="">
     <xsd:import namespace="http://schemas.microsoft.com/sharepoint/v3"/>
@@ -36110,15 +37006,6 @@
 </ct:contentTypeSchema>
 </file>
 
-<file path=customXml/item2.xml><?xml version="1.0" encoding="utf-8"?>
-<?mso-contentType ?>
-<FormTemplates xmlns="http://schemas.microsoft.com/sharepoint/v3/contenttype/forms">
-  <Display>DocumentLibraryForm</Display>
-  <Edit>DocumentLibraryForm</Edit>
-  <New>DocumentLibraryForm</New>
-</FormTemplates>
-</file>
-
 <file path=customXml/item3.xml><?xml version="1.0" encoding="utf-8"?>
 <p:properties xmlns:p="http://schemas.microsoft.com/office/2006/metadata/properties" xmlns:xsi="http://www.w3.org/2001/XMLSchema-instance" xmlns:pc="http://schemas.microsoft.com/office/infopath/2007/PartnerControls">
   <documentManagement>
@@ -36139,6 +37026,14 @@
 </file>
 
 <file path=customXml/itemProps1.xml><?xml version="1.0" encoding="utf-8"?>
+<ds:datastoreItem xmlns:ds="http://schemas.openxmlformats.org/officeDocument/2006/customXml" ds:itemID="{42076B5C-85B0-4D30-852D-5E5312EEA93B}">
+  <ds:schemaRefs>
+    <ds:schemaRef ds:uri="http://schemas.microsoft.com/sharepoint/v3/contenttype/forms"/>
+  </ds:schemaRefs>
+</ds:datastoreItem>
+</file>
+
+<file path=customXml/itemProps2.xml><?xml version="1.0" encoding="utf-8"?>
 <ds:datastoreItem xmlns:ds="http://schemas.openxmlformats.org/officeDocument/2006/customXml" ds:itemID="{2F1176D5-513E-4E73-98C9-4CEA832F576D}">
   <ds:schemaRefs>
     <ds:schemaRef ds:uri="http://schemas.microsoft.com/office/2006/metadata/contentType"/>
@@ -36155,14 +37050,6 @@
     <ds:schemaRef ds:uri="http://purl.org/dc/elements/1.1/"/>
     <ds:schemaRef ds:uri="http://purl.org/dc/terms/"/>
     <ds:schemaRef ds:uri="http://schemas.microsoft.com/internal/obd"/>
-  </ds:schemaRefs>
-</ds:datastoreItem>
-</file>
-
-<file path=customXml/itemProps2.xml><?xml version="1.0" encoding="utf-8"?>
-<ds:datastoreItem xmlns:ds="http://schemas.openxmlformats.org/officeDocument/2006/customXml" ds:itemID="{42076B5C-85B0-4D30-852D-5E5312EEA93B}">
-  <ds:schemaRefs>
-    <ds:schemaRef ds:uri="http://schemas.microsoft.com/sharepoint/v3/contenttype/forms"/>
   </ds:schemaRefs>
 </ds:datastoreItem>
 </file>
